--- a/arhive/ВКР_Разорвин_презентация.pptx
+++ b/arhive/ВКР_Разорвин_презентация.pptx
@@ -3,14 +3,14 @@
 <p:presentation xmlns:a="http://schemas.openxmlformats.org/drawingml/2006/main" xmlns:r="http://schemas.openxmlformats.org/officeDocument/2006/relationships" xmlns:p="http://schemas.openxmlformats.org/presentationml/2006/main" strictFirstAndLastChars="0" autoCompressPictures="0">
   <p:sldMasterIdLst>
     <p:sldMasterId id="2147483648" r:id="rId1"/>
-    <p:sldMasterId id="2147483660" r:id="rId3"/>
+    <p:sldMasterId id="2147483661" r:id="rId3"/>
   </p:sldMasterIdLst>
   <p:notesMasterIdLst>
-    <p:notesMasterId r:id="rId5"/>
+    <p:notesMasterId r:id="rId6"/>
   </p:notesMasterIdLst>
   <p:sldIdLst>
-    <p:sldId id="256" r:id="rId4"/>
-    <p:sldId id="257" r:id="rId6"/>
+    <p:sldId id="278" r:id="rId4"/>
+    <p:sldId id="257" r:id="rId5"/>
     <p:sldId id="258" r:id="rId7"/>
     <p:sldId id="262" r:id="rId8"/>
     <p:sldId id="264" r:id="rId9"/>
@@ -259,12 +259,12 @@
   <p:extLst>
     <p:ext uri="{EFAFB233-063F-42B5-8137-9DF3F51BA10A}">
       <p15:sldGuideLst xmlns:p15="http://schemas.microsoft.com/office/powerpoint/2012/main">
-        <p15:guide id="1" orient="horz" pos="1664" userDrawn="1">
+        <p15:guide id="1" orient="horz" pos="1667" userDrawn="1">
           <p15:clr>
             <a:srgbClr val="000000"/>
           </p15:clr>
         </p15:guide>
-        <p15:guide id="2" pos="2879" userDrawn="1">
+        <p15:guide id="2" pos="2892" userDrawn="1">
           <p15:clr>
             <a:srgbClr val="000000"/>
           </p15:clr>
@@ -715,7 +715,7 @@
   <p:cSld>
     <p:spTree>
       <p:nvGrpSpPr>
-        <p:cNvPr id="80" name="Shape 80"/>
+        <p:cNvPr id="95" name="Shape 95"/>
         <p:cNvGrpSpPr/>
         <p:nvPr/>
       </p:nvGrpSpPr>
@@ -729,7 +729,7 @@
       </p:grpSpPr>
       <p:sp>
         <p:nvSpPr>
-          <p:cNvPr id="81" name="Google Shape;81;p1:notes"/>
+          <p:cNvPr id="96" name="Google Shape;96;p2:notes"/>
           <p:cNvSpPr txBox="1"/>
           <p:nvPr>
             <p:ph type="body" idx="1"/>
@@ -764,7 +764,7 @@
       </p:sp>
       <p:sp>
         <p:nvSpPr>
-          <p:cNvPr id="82" name="Google Shape;82;p1:notes"/>
+          <p:cNvPr id="97" name="Google Shape;97;p2:notes"/>
           <p:cNvSpPr/>
           <p:nvPr>
             <p:ph type="sldImg" idx="2"/>
@@ -1304,7 +1304,7 @@
 </p:notes>
 </file>
 
-<file path=ppt/notesSlides/notesSlide15.xml><?xml version="1.0" encoding="utf-8"?>
+<file path=ppt/notesSlides/notesSlide2.xml><?xml version="1.0" encoding="utf-8"?>
 <p:notes xmlns:a="http://schemas.openxmlformats.org/drawingml/2006/main" xmlns:r="http://schemas.openxmlformats.org/officeDocument/2006/relationships" xmlns:p="http://schemas.openxmlformats.org/presentationml/2006/main" showMasterPhAnim="0" showMasterSp="0">
   <p:cSld>
     <p:spTree>
@@ -1359,105 +1359,6 @@
       <p:sp>
         <p:nvSpPr>
           <p:cNvPr id="110" name="Google Shape;110;p3:notes"/>
-          <p:cNvSpPr/>
-          <p:nvPr>
-            <p:ph type="sldImg" idx="2"/>
-          </p:nvPr>
-        </p:nvSpPr>
-        <p:spPr>
-          <a:xfrm>
-            <a:off x="1143225" y="685800"/>
-            <a:ext cx="4572225" cy="3429000"/>
-          </a:xfrm>
-          <a:custGeom>
-            <a:avLst/>
-            <a:gdLst/>
-            <a:ahLst/>
-            <a:cxnLst/>
-            <a:rect l="l" t="t" r="r" b="b"/>
-            <a:pathLst>
-              <a:path w="120000" h="120000" extrusionOk="0">
-                <a:moveTo>
-                  <a:pt x="0" y="0"/>
-                </a:moveTo>
-                <a:lnTo>
-                  <a:pt x="120000" y="0"/>
-                </a:lnTo>
-                <a:lnTo>
-                  <a:pt x="120000" y="120000"/>
-                </a:lnTo>
-                <a:lnTo>
-                  <a:pt x="0" y="120000"/>
-                </a:lnTo>
-                <a:close/>
-              </a:path>
-            </a:pathLst>
-          </a:custGeom>
-        </p:spPr>
-      </p:sp>
-    </p:spTree>
-  </p:cSld>
-  <p:clrMapOvr>
-    <a:masterClrMapping/>
-  </p:clrMapOvr>
-</p:notes>
-</file>
-
-<file path=ppt/notesSlides/notesSlide2.xml><?xml version="1.0" encoding="utf-8"?>
-<p:notes xmlns:a="http://schemas.openxmlformats.org/drawingml/2006/main" xmlns:r="http://schemas.openxmlformats.org/officeDocument/2006/relationships" xmlns:p="http://schemas.openxmlformats.org/presentationml/2006/main" showMasterPhAnim="0" showMasterSp="0">
-  <p:cSld>
-    <p:spTree>
-      <p:nvGrpSpPr>
-        <p:cNvPr id="95" name="Shape 95"/>
-        <p:cNvGrpSpPr/>
-        <p:nvPr/>
-      </p:nvGrpSpPr>
-      <p:grpSpPr>
-        <a:xfrm>
-          <a:off x="0" y="0"/>
-          <a:ext cx="0" cy="0"/>
-          <a:chOff x="0" y="0"/>
-          <a:chExt cx="0" cy="0"/>
-        </a:xfrm>
-      </p:grpSpPr>
-      <p:sp>
-        <p:nvSpPr>
-          <p:cNvPr id="96" name="Google Shape;96;p2:notes"/>
-          <p:cNvSpPr txBox="1"/>
-          <p:nvPr>
-            <p:ph type="body" idx="1"/>
-          </p:nvPr>
-        </p:nvSpPr>
-        <p:spPr>
-          <a:xfrm>
-            <a:off x="685800" y="4343400"/>
-            <a:ext cx="5486400" cy="4114800"/>
-          </a:xfrm>
-          <a:prstGeom prst="rect">
-            <a:avLst/>
-          </a:prstGeom>
-        </p:spPr>
-        <p:txBody>
-          <a:bodyPr spcFirstLastPara="1" wrap="square" lIns="91425" tIns="91425" rIns="91425" bIns="91425" anchor="t" anchorCtr="0">
-            <a:noAutofit/>
-          </a:bodyPr>
-          <a:lstStyle/>
-          <a:p>
-            <a:pPr marL="0" lvl="0" indent="0" algn="l" rtl="0">
-              <a:spcBef>
-                <a:spcPts val="0"/>
-              </a:spcBef>
-              <a:spcAft>
-                <a:spcPts val="0"/>
-              </a:spcAft>
-              <a:buNone/>
-            </a:pPr>
-          </a:p>
-        </p:txBody>
-      </p:sp>
-      <p:sp>
-        <p:nvSpPr>
-          <p:cNvPr id="97" name="Google Shape;97;p2:notes"/>
           <p:cNvSpPr/>
           <p:nvPr>
             <p:ph type="sldImg" idx="2"/>
@@ -4569,6 +4470,147 @@
 </file>
 
 <file path=ppt/slideLayouts/slideLayout12.xml><?xml version="1.0" encoding="utf-8"?>
+<p:sldLayout xmlns:a="http://schemas.openxmlformats.org/drawingml/2006/main" xmlns:r="http://schemas.openxmlformats.org/officeDocument/2006/relationships" xmlns:p="http://schemas.openxmlformats.org/presentationml/2006/main" preserve="1" userDrawn="1">
+  <p:cSld name="2_Заголовок раздела (слайд-бампер)">
+    <p:bg>
+      <p:bgPr>
+        <a:blipFill dpi="0" rotWithShape="1">
+          <a:blip r:embed="rId2">
+            <a:lum/>
+          </a:blip>
+          <a:srcRect/>
+          <a:tile tx="0" ty="0" sx="100000" sy="100000" flip="none" algn="br"/>
+        </a:blipFill>
+        <a:effectLst/>
+      </p:bgPr>
+    </p:bg>
+    <p:spTree>
+      <p:nvGrpSpPr>
+        <p:cNvPr id="1" name=""/>
+        <p:cNvGrpSpPr/>
+        <p:nvPr/>
+      </p:nvGrpSpPr>
+      <p:grpSpPr>
+        <a:xfrm>
+          <a:off x="0" y="0"/>
+          <a:ext cx="0" cy="0"/>
+          <a:chOff x="0" y="0"/>
+          <a:chExt cx="0" cy="0"/>
+        </a:xfrm>
+      </p:grpSpPr>
+      <p:sp>
+        <p:nvSpPr>
+          <p:cNvPr id="3" name="Заголовок 2"/>
+          <p:cNvSpPr>
+            <a:spLocks noGrp="1"/>
+          </p:cNvSpPr>
+          <p:nvPr>
+            <p:ph type="title" hasCustomPrompt="1"/>
+          </p:nvPr>
+        </p:nvSpPr>
+        <p:spPr>
+          <a:xfrm>
+            <a:off x="899592" y="1347614"/>
+            <a:ext cx="4896544" cy="1728192"/>
+          </a:xfrm>
+          <a:prstGeom prst="rect">
+            <a:avLst/>
+          </a:prstGeom>
+        </p:spPr>
+        <p:txBody>
+          <a:bodyPr anchor="ctr" anchorCtr="0">
+            <a:normAutofit/>
+          </a:bodyPr>
+          <a:lstStyle>
+            <a:lvl1pPr algn="l">
+              <a:defRPr sz="4000" b="1"/>
+            </a:lvl1pPr>
+          </a:lstStyle>
+          <a:p>
+            <a:r>
+              <a:rPr lang="ru-RU" dirty="0" smtClean="0"/>
+              <a:t>Заголовок раздела</a:t>
+            </a:r>
+            <a:endParaRPr lang="ru-RU" dirty="0"/>
+          </a:p>
+        </p:txBody>
+      </p:sp>
+      <p:sp>
+        <p:nvSpPr>
+          <p:cNvPr id="13" name="Текст 12"/>
+          <p:cNvSpPr>
+            <a:spLocks noGrp="1" noChangeAspect="1"/>
+          </p:cNvSpPr>
+          <p:nvPr>
+            <p:ph type="body" sz="quarter" idx="10" hasCustomPrompt="1"/>
+          </p:nvPr>
+        </p:nvSpPr>
+        <p:spPr>
+          <a:xfrm>
+            <a:off x="899592" y="3291830"/>
+            <a:ext cx="4896544" cy="1440160"/>
+          </a:xfrm>
+          <a:prstGeom prst="rect">
+            <a:avLst/>
+          </a:prstGeom>
+        </p:spPr>
+        <p:txBody>
+          <a:bodyPr>
+            <a:normAutofit/>
+          </a:bodyPr>
+          <a:lstStyle>
+            <a:lvl1pPr marL="0" indent="0">
+              <a:buFontTx/>
+              <a:buNone/>
+              <a:defRPr sz="1800" baseline="0"/>
+            </a:lvl1pPr>
+            <a:lvl2pPr marL="609600" indent="0">
+              <a:buFontTx/>
+              <a:buNone/>
+              <a:defRPr sz="1200"/>
+            </a:lvl2pPr>
+            <a:lvl3pPr marL="1219200" indent="0">
+              <a:buFontTx/>
+              <a:buNone/>
+              <a:defRPr sz="1200"/>
+            </a:lvl3pPr>
+            <a:lvl4pPr marL="1828800" indent="0">
+              <a:buFontTx/>
+              <a:buNone/>
+              <a:defRPr sz="1200"/>
+            </a:lvl4pPr>
+            <a:lvl5pPr marL="2438400" indent="0">
+              <a:buFontTx/>
+              <a:buNone/>
+              <a:defRPr sz="1200"/>
+            </a:lvl5pPr>
+          </a:lstStyle>
+          <a:p>
+            <a:pPr lvl="0"/>
+            <a:r>
+              <a:rPr lang="ru-RU" dirty="0" smtClean="0"/>
+              <a:t>Подзаголовок</a:t>
+            </a:r>
+            <a:endParaRPr lang="ru-RU" dirty="0" smtClean="0"/>
+          </a:p>
+        </p:txBody>
+      </p:sp>
+    </p:spTree>
+  </p:cSld>
+  <p:clrMapOvr>
+    <a:masterClrMapping/>
+  </p:clrMapOvr>
+  <p:timing>
+    <p:tnLst>
+      <p:par>
+        <p:cTn id="1" dur="indefinite" restart="never" nodeType="tmRoot"/>
+      </p:par>
+    </p:tnLst>
+  </p:timing>
+</p:sldLayout>
+</file>
+
+<file path=ppt/slideLayouts/slideLayout13.xml><?xml version="1.0" encoding="utf-8"?>
 <p:sldLayout xmlns:a="http://schemas.openxmlformats.org/drawingml/2006/main" xmlns:r="http://schemas.openxmlformats.org/officeDocument/2006/relationships" xmlns:p="http://schemas.openxmlformats.org/presentationml/2006/main" type="title" matchingName="Титульный слайд">
   <p:cSld name="TITLE">
     <p:spTree>
@@ -5383,7 +5425,7 @@
 </p:sldLayout>
 </file>
 
-<file path=ppt/slideLayouts/slideLayout13.xml><?xml version="1.0" encoding="utf-8"?>
+<file path=ppt/slideLayouts/slideLayout14.xml><?xml version="1.0" encoding="utf-8"?>
 <p:sldLayout xmlns:a="http://schemas.openxmlformats.org/drawingml/2006/main" xmlns:r="http://schemas.openxmlformats.org/officeDocument/2006/relationships" xmlns:p="http://schemas.openxmlformats.org/presentationml/2006/main" type="obj" matchingName="Заголовок и объект">
   <p:cSld name="OBJECT">
     <p:spTree>
@@ -6162,7 +6204,7 @@
 </p:sldLayout>
 </file>
 
-<file path=ppt/slideLayouts/slideLayout14.xml><?xml version="1.0" encoding="utf-8"?>
+<file path=ppt/slideLayouts/slideLayout15.xml><?xml version="1.0" encoding="utf-8"?>
 <p:sldLayout xmlns:a="http://schemas.openxmlformats.org/drawingml/2006/main" xmlns:r="http://schemas.openxmlformats.org/officeDocument/2006/relationships" xmlns:p="http://schemas.openxmlformats.org/presentationml/2006/main" type="secHead" matchingName="Заголовок раздела">
   <p:cSld name="SECTION_HEADER">
     <p:spTree>
@@ -6977,7 +7019,7 @@
 </p:sldLayout>
 </file>
 
-<file path=ppt/slideLayouts/slideLayout15.xml><?xml version="1.0" encoding="utf-8"?>
+<file path=ppt/slideLayouts/slideLayout16.xml><?xml version="1.0" encoding="utf-8"?>
 <p:sldLayout xmlns:a="http://schemas.openxmlformats.org/drawingml/2006/main" xmlns:r="http://schemas.openxmlformats.org/officeDocument/2006/relationships" xmlns:p="http://schemas.openxmlformats.org/presentationml/2006/main" type="twoObj" matchingName="Два объекта">
   <p:cSld name="TWO_OBJECTS">
     <p:spTree>
@@ -7912,7 +7954,7 @@
 </p:sldLayout>
 </file>
 
-<file path=ppt/slideLayouts/slideLayout16.xml><?xml version="1.0" encoding="utf-8"?>
+<file path=ppt/slideLayouts/slideLayout17.xml><?xml version="1.0" encoding="utf-8"?>
 <p:sldLayout xmlns:a="http://schemas.openxmlformats.org/drawingml/2006/main" xmlns:r="http://schemas.openxmlformats.org/officeDocument/2006/relationships" xmlns:p="http://schemas.openxmlformats.org/presentationml/2006/main" type="twoTxTwoObj" matchingName="Сравнение">
   <p:cSld name="TWO_OBJECTS_WITH_TEXT">
     <p:spTree>
@@ -9159,7 +9201,7 @@
 </p:sldLayout>
 </file>
 
-<file path=ppt/slideLayouts/slideLayout17.xml><?xml version="1.0" encoding="utf-8"?>
+<file path=ppt/slideLayouts/slideLayout18.xml><?xml version="1.0" encoding="utf-8"?>
 <p:sldLayout xmlns:a="http://schemas.openxmlformats.org/drawingml/2006/main" xmlns:r="http://schemas.openxmlformats.org/officeDocument/2006/relationships" xmlns:p="http://schemas.openxmlformats.org/presentationml/2006/main" type="titleOnly" matchingName="Только заголовок">
   <p:cSld name="TITLE_ONLY">
     <p:spTree>
@@ -9782,7 +9824,7 @@
 </p:sldLayout>
 </file>
 
-<file path=ppt/slideLayouts/slideLayout18.xml><?xml version="1.0" encoding="utf-8"?>
+<file path=ppt/slideLayouts/slideLayout19.xml><?xml version="1.0" encoding="utf-8"?>
 <p:sldLayout xmlns:a="http://schemas.openxmlformats.org/drawingml/2006/main" xmlns:r="http://schemas.openxmlformats.org/officeDocument/2006/relationships" xmlns:p="http://schemas.openxmlformats.org/presentationml/2006/main" type="blank" matchingName="Пустой слайд">
   <p:cSld name="BLANK">
     <p:spTree>
@@ -10064,941 +10106,6 @@
       <p:sp>
         <p:nvSpPr>
           <p:cNvPr id="53" name="Google Shape;53;p11"/>
-          <p:cNvSpPr txBox="1"/>
-          <p:nvPr>
-            <p:ph type="sldNum" idx="12"/>
-          </p:nvPr>
-        </p:nvSpPr>
-        <p:spPr>
-          <a:xfrm>
-            <a:off x="6553200" y="4767263"/>
-            <a:ext cx="2133600" cy="274637"/>
-          </a:xfrm>
-          <a:prstGeom prst="rect">
-            <a:avLst/>
-          </a:prstGeom>
-          <a:noFill/>
-          <a:ln>
-            <a:noFill/>
-          </a:ln>
-        </p:spPr>
-        <p:txBody>
-          <a:bodyPr spcFirstLastPara="1" wrap="square" lIns="91425" tIns="45700" rIns="91425" bIns="45700" anchor="ctr" anchorCtr="0">
-            <a:noAutofit/>
-          </a:bodyPr>
-          <a:lstStyle>
-            <a:lvl1pPr marL="0" marR="0" lvl="0" indent="0" algn="r">
-              <a:spcBef>
-                <a:spcPts val="0"/>
-              </a:spcBef>
-              <a:spcAft>
-                <a:spcPts val="0"/>
-              </a:spcAft>
-              <a:buNone/>
-              <a:defRPr sz="1200" b="0" i="0" u="none" strike="noStrike" cap="none">
-                <a:solidFill>
-                  <a:srgbClr val="888888"/>
-                </a:solidFill>
-                <a:latin typeface="Calibri" panose="020F0502020204030204"/>
-                <a:ea typeface="Calibri" panose="020F0502020204030204"/>
-                <a:cs typeface="Calibri" panose="020F0502020204030204"/>
-                <a:sym typeface="Calibri" panose="020F0502020204030204"/>
-              </a:defRPr>
-            </a:lvl1pPr>
-            <a:lvl2pPr marL="0" marR="0" lvl="1" indent="0" algn="r">
-              <a:spcBef>
-                <a:spcPts val="0"/>
-              </a:spcBef>
-              <a:spcAft>
-                <a:spcPts val="0"/>
-              </a:spcAft>
-              <a:buNone/>
-              <a:defRPr sz="1200" b="0" i="0" u="none" strike="noStrike" cap="none">
-                <a:solidFill>
-                  <a:srgbClr val="888888"/>
-                </a:solidFill>
-                <a:latin typeface="Calibri" panose="020F0502020204030204"/>
-                <a:ea typeface="Calibri" panose="020F0502020204030204"/>
-                <a:cs typeface="Calibri" panose="020F0502020204030204"/>
-                <a:sym typeface="Calibri" panose="020F0502020204030204"/>
-              </a:defRPr>
-            </a:lvl2pPr>
-            <a:lvl3pPr marL="0" marR="0" lvl="2" indent="0" algn="r">
-              <a:spcBef>
-                <a:spcPts val="0"/>
-              </a:spcBef>
-              <a:spcAft>
-                <a:spcPts val="0"/>
-              </a:spcAft>
-              <a:buNone/>
-              <a:defRPr sz="1200" b="0" i="0" u="none" strike="noStrike" cap="none">
-                <a:solidFill>
-                  <a:srgbClr val="888888"/>
-                </a:solidFill>
-                <a:latin typeface="Calibri" panose="020F0502020204030204"/>
-                <a:ea typeface="Calibri" panose="020F0502020204030204"/>
-                <a:cs typeface="Calibri" panose="020F0502020204030204"/>
-                <a:sym typeface="Calibri" panose="020F0502020204030204"/>
-              </a:defRPr>
-            </a:lvl3pPr>
-            <a:lvl4pPr marL="0" marR="0" lvl="3" indent="0" algn="r">
-              <a:spcBef>
-                <a:spcPts val="0"/>
-              </a:spcBef>
-              <a:spcAft>
-                <a:spcPts val="0"/>
-              </a:spcAft>
-              <a:buNone/>
-              <a:defRPr sz="1200" b="0" i="0" u="none" strike="noStrike" cap="none">
-                <a:solidFill>
-                  <a:srgbClr val="888888"/>
-                </a:solidFill>
-                <a:latin typeface="Calibri" panose="020F0502020204030204"/>
-                <a:ea typeface="Calibri" panose="020F0502020204030204"/>
-                <a:cs typeface="Calibri" panose="020F0502020204030204"/>
-                <a:sym typeface="Calibri" panose="020F0502020204030204"/>
-              </a:defRPr>
-            </a:lvl4pPr>
-            <a:lvl5pPr marL="0" marR="0" lvl="4" indent="0" algn="r">
-              <a:spcBef>
-                <a:spcPts val="0"/>
-              </a:spcBef>
-              <a:spcAft>
-                <a:spcPts val="0"/>
-              </a:spcAft>
-              <a:buNone/>
-              <a:defRPr sz="1200" b="0" i="0" u="none" strike="noStrike" cap="none">
-                <a:solidFill>
-                  <a:srgbClr val="888888"/>
-                </a:solidFill>
-                <a:latin typeface="Calibri" panose="020F0502020204030204"/>
-                <a:ea typeface="Calibri" panose="020F0502020204030204"/>
-                <a:cs typeface="Calibri" panose="020F0502020204030204"/>
-                <a:sym typeface="Calibri" panose="020F0502020204030204"/>
-              </a:defRPr>
-            </a:lvl5pPr>
-            <a:lvl6pPr marL="0" marR="0" lvl="5" indent="0" algn="r">
-              <a:spcBef>
-                <a:spcPts val="0"/>
-              </a:spcBef>
-              <a:spcAft>
-                <a:spcPts val="0"/>
-              </a:spcAft>
-              <a:buNone/>
-              <a:defRPr sz="1200" b="0" i="0" u="none" strike="noStrike" cap="none">
-                <a:solidFill>
-                  <a:srgbClr val="888888"/>
-                </a:solidFill>
-                <a:latin typeface="Calibri" panose="020F0502020204030204"/>
-                <a:ea typeface="Calibri" panose="020F0502020204030204"/>
-                <a:cs typeface="Calibri" panose="020F0502020204030204"/>
-                <a:sym typeface="Calibri" panose="020F0502020204030204"/>
-              </a:defRPr>
-            </a:lvl6pPr>
-            <a:lvl7pPr marL="0" marR="0" lvl="6" indent="0" algn="r">
-              <a:spcBef>
-                <a:spcPts val="0"/>
-              </a:spcBef>
-              <a:spcAft>
-                <a:spcPts val="0"/>
-              </a:spcAft>
-              <a:buNone/>
-              <a:defRPr sz="1200" b="0" i="0" u="none" strike="noStrike" cap="none">
-                <a:solidFill>
-                  <a:srgbClr val="888888"/>
-                </a:solidFill>
-                <a:latin typeface="Calibri" panose="020F0502020204030204"/>
-                <a:ea typeface="Calibri" panose="020F0502020204030204"/>
-                <a:cs typeface="Calibri" panose="020F0502020204030204"/>
-                <a:sym typeface="Calibri" panose="020F0502020204030204"/>
-              </a:defRPr>
-            </a:lvl7pPr>
-            <a:lvl8pPr marL="0" marR="0" lvl="7" indent="0" algn="r">
-              <a:spcBef>
-                <a:spcPts val="0"/>
-              </a:spcBef>
-              <a:spcAft>
-                <a:spcPts val="0"/>
-              </a:spcAft>
-              <a:buNone/>
-              <a:defRPr sz="1200" b="0" i="0" u="none" strike="noStrike" cap="none">
-                <a:solidFill>
-                  <a:srgbClr val="888888"/>
-                </a:solidFill>
-                <a:latin typeface="Calibri" panose="020F0502020204030204"/>
-                <a:ea typeface="Calibri" panose="020F0502020204030204"/>
-                <a:cs typeface="Calibri" panose="020F0502020204030204"/>
-                <a:sym typeface="Calibri" panose="020F0502020204030204"/>
-              </a:defRPr>
-            </a:lvl8pPr>
-            <a:lvl9pPr marL="0" marR="0" lvl="8" indent="0" algn="r">
-              <a:spcBef>
-                <a:spcPts val="0"/>
-              </a:spcBef>
-              <a:spcAft>
-                <a:spcPts val="0"/>
-              </a:spcAft>
-              <a:buNone/>
-              <a:defRPr sz="1200" b="0" i="0" u="none" strike="noStrike" cap="none">
-                <a:solidFill>
-                  <a:srgbClr val="888888"/>
-                </a:solidFill>
-                <a:latin typeface="Calibri" panose="020F0502020204030204"/>
-                <a:ea typeface="Calibri" panose="020F0502020204030204"/>
-                <a:cs typeface="Calibri" panose="020F0502020204030204"/>
-                <a:sym typeface="Calibri" panose="020F0502020204030204"/>
-              </a:defRPr>
-            </a:lvl9pPr>
-          </a:lstStyle>
-          <a:p>
-            <a:pPr marL="0" lvl="0" indent="0" algn="r" rtl="0">
-              <a:spcBef>
-                <a:spcPts val="0"/>
-              </a:spcBef>
-              <a:spcAft>
-                <a:spcPts val="0"/>
-              </a:spcAft>
-              <a:buNone/>
-            </a:pPr>
-            <a:fld id="{00000000-1234-1234-1234-123412341234}" type="slidenum">
-              <a:rPr lang="ru-RU"/>
-            </a:fld>
-            <a:endParaRPr lang="ru-RU"/>
-          </a:p>
-        </p:txBody>
-      </p:sp>
-    </p:spTree>
-  </p:cSld>
-  <p:clrMapOvr>
-    <a:masterClrMapping/>
-  </p:clrMapOvr>
-  <p:hf hdr="0" ftr="0" dt="0"/>
-</p:sldLayout>
-</file>
-
-<file path=ppt/slideLayouts/slideLayout19.xml><?xml version="1.0" encoding="utf-8"?>
-<p:sldLayout xmlns:a="http://schemas.openxmlformats.org/drawingml/2006/main" xmlns:r="http://schemas.openxmlformats.org/officeDocument/2006/relationships" xmlns:p="http://schemas.openxmlformats.org/presentationml/2006/main" type="objTx" matchingName="Объект с подписью">
-  <p:cSld name="OBJECT_WITH_CAPTION_TEXT">
-    <p:spTree>
-      <p:nvGrpSpPr>
-        <p:cNvPr id="54" name="Shape 54"/>
-        <p:cNvGrpSpPr/>
-        <p:nvPr/>
-      </p:nvGrpSpPr>
-      <p:grpSpPr>
-        <a:xfrm>
-          <a:off x="0" y="0"/>
-          <a:ext cx="0" cy="0"/>
-          <a:chOff x="0" y="0"/>
-          <a:chExt cx="0" cy="0"/>
-        </a:xfrm>
-      </p:grpSpPr>
-      <p:sp>
-        <p:nvSpPr>
-          <p:cNvPr id="55" name="Google Shape;55;p12"/>
-          <p:cNvSpPr txBox="1"/>
-          <p:nvPr>
-            <p:ph type="title"/>
-          </p:nvPr>
-        </p:nvSpPr>
-        <p:spPr>
-          <a:xfrm>
-            <a:off x="457201" y="204787"/>
-            <a:ext cx="3008313" cy="871538"/>
-          </a:xfrm>
-          <a:prstGeom prst="rect">
-            <a:avLst/>
-          </a:prstGeom>
-          <a:noFill/>
-          <a:ln>
-            <a:noFill/>
-          </a:ln>
-        </p:spPr>
-        <p:txBody>
-          <a:bodyPr spcFirstLastPara="1" wrap="square" lIns="91425" tIns="45700" rIns="91425" bIns="45700" anchor="b" anchorCtr="0">
-            <a:noAutofit/>
-          </a:bodyPr>
-          <a:lstStyle>
-            <a:lvl1pPr lvl="0" algn="l">
-              <a:spcBef>
-                <a:spcPts val="0"/>
-              </a:spcBef>
-              <a:spcAft>
-                <a:spcPts val="0"/>
-              </a:spcAft>
-              <a:buSzPts val="1400"/>
-              <a:buNone/>
-              <a:defRPr sz="2000" b="1"/>
-            </a:lvl1pPr>
-            <a:lvl2pPr lvl="1" algn="ctr">
-              <a:spcBef>
-                <a:spcPts val="0"/>
-              </a:spcBef>
-              <a:spcAft>
-                <a:spcPts val="0"/>
-              </a:spcAft>
-              <a:buSzPts val="1400"/>
-              <a:buNone/>
-              <a:defRPr/>
-            </a:lvl2pPr>
-            <a:lvl3pPr lvl="2" algn="ctr">
-              <a:spcBef>
-                <a:spcPts val="0"/>
-              </a:spcBef>
-              <a:spcAft>
-                <a:spcPts val="0"/>
-              </a:spcAft>
-              <a:buSzPts val="1400"/>
-              <a:buNone/>
-              <a:defRPr/>
-            </a:lvl3pPr>
-            <a:lvl4pPr lvl="3" algn="ctr">
-              <a:spcBef>
-                <a:spcPts val="0"/>
-              </a:spcBef>
-              <a:spcAft>
-                <a:spcPts val="0"/>
-              </a:spcAft>
-              <a:buSzPts val="1400"/>
-              <a:buNone/>
-              <a:defRPr/>
-            </a:lvl4pPr>
-            <a:lvl5pPr lvl="4" algn="ctr">
-              <a:spcBef>
-                <a:spcPts val="0"/>
-              </a:spcBef>
-              <a:spcAft>
-                <a:spcPts val="0"/>
-              </a:spcAft>
-              <a:buSzPts val="1400"/>
-              <a:buNone/>
-              <a:defRPr/>
-            </a:lvl5pPr>
-            <a:lvl6pPr lvl="5" algn="ctr">
-              <a:spcBef>
-                <a:spcPts val="0"/>
-              </a:spcBef>
-              <a:spcAft>
-                <a:spcPts val="0"/>
-              </a:spcAft>
-              <a:buSzPts val="1400"/>
-              <a:buNone/>
-              <a:defRPr/>
-            </a:lvl6pPr>
-            <a:lvl7pPr lvl="6" algn="ctr">
-              <a:spcBef>
-                <a:spcPts val="0"/>
-              </a:spcBef>
-              <a:spcAft>
-                <a:spcPts val="0"/>
-              </a:spcAft>
-              <a:buSzPts val="1400"/>
-              <a:buNone/>
-              <a:defRPr/>
-            </a:lvl7pPr>
-            <a:lvl8pPr lvl="7" algn="ctr">
-              <a:spcBef>
-                <a:spcPts val="0"/>
-              </a:spcBef>
-              <a:spcAft>
-                <a:spcPts val="0"/>
-              </a:spcAft>
-              <a:buSzPts val="1400"/>
-              <a:buNone/>
-              <a:defRPr/>
-            </a:lvl8pPr>
-            <a:lvl9pPr lvl="8" algn="ctr">
-              <a:spcBef>
-                <a:spcPts val="0"/>
-              </a:spcBef>
-              <a:spcAft>
-                <a:spcPts val="0"/>
-              </a:spcAft>
-              <a:buSzPts val="1400"/>
-              <a:buNone/>
-              <a:defRPr/>
-            </a:lvl9pPr>
-          </a:lstStyle>
-          <a:p/>
-        </p:txBody>
-      </p:sp>
-      <p:sp>
-        <p:nvSpPr>
-          <p:cNvPr id="56" name="Google Shape;56;p12"/>
-          <p:cNvSpPr txBox="1"/>
-          <p:nvPr>
-            <p:ph type="body" idx="1"/>
-          </p:nvPr>
-        </p:nvSpPr>
-        <p:spPr>
-          <a:xfrm>
-            <a:off x="3575050" y="204788"/>
-            <a:ext cx="5111750" cy="4389835"/>
-          </a:xfrm>
-          <a:prstGeom prst="rect">
-            <a:avLst/>
-          </a:prstGeom>
-          <a:noFill/>
-          <a:ln>
-            <a:noFill/>
-          </a:ln>
-        </p:spPr>
-        <p:txBody>
-          <a:bodyPr spcFirstLastPara="1" wrap="square" lIns="91425" tIns="45700" rIns="91425" bIns="45700" anchor="t" anchorCtr="0">
-            <a:noAutofit/>
-          </a:bodyPr>
-          <a:lstStyle>
-            <a:lvl1pPr marL="457200" lvl="0" indent="-431800" algn="l">
-              <a:spcBef>
-                <a:spcPts val="640"/>
-              </a:spcBef>
-              <a:spcAft>
-                <a:spcPts val="0"/>
-              </a:spcAft>
-              <a:buClr>
-                <a:schemeClr val="dk1"/>
-              </a:buClr>
-              <a:buSzPts val="3200"/>
-              <a:buChar char="•"/>
-              <a:defRPr sz="3200"/>
-            </a:lvl1pPr>
-            <a:lvl2pPr marL="914400" lvl="1" indent="-406400" algn="l">
-              <a:spcBef>
-                <a:spcPts val="560"/>
-              </a:spcBef>
-              <a:spcAft>
-                <a:spcPts val="0"/>
-              </a:spcAft>
-              <a:buClr>
-                <a:schemeClr val="dk1"/>
-              </a:buClr>
-              <a:buSzPts val="2800"/>
-              <a:buChar char="–"/>
-              <a:defRPr sz="2800"/>
-            </a:lvl2pPr>
-            <a:lvl3pPr marL="1371600" lvl="2" indent="-381000" algn="l">
-              <a:spcBef>
-                <a:spcPts val="480"/>
-              </a:spcBef>
-              <a:spcAft>
-                <a:spcPts val="0"/>
-              </a:spcAft>
-              <a:buClr>
-                <a:schemeClr val="dk1"/>
-              </a:buClr>
-              <a:buSzPts val="2400"/>
-              <a:buChar char="•"/>
-              <a:defRPr sz="2400"/>
-            </a:lvl3pPr>
-            <a:lvl4pPr marL="1828800" lvl="3" indent="-355600" algn="l">
-              <a:spcBef>
-                <a:spcPts val="400"/>
-              </a:spcBef>
-              <a:spcAft>
-                <a:spcPts val="0"/>
-              </a:spcAft>
-              <a:buClr>
-                <a:schemeClr val="dk1"/>
-              </a:buClr>
-              <a:buSzPts val="2000"/>
-              <a:buChar char="–"/>
-              <a:defRPr sz="2000"/>
-            </a:lvl4pPr>
-            <a:lvl5pPr marL="2286000" lvl="4" indent="-355600" algn="l">
-              <a:spcBef>
-                <a:spcPts val="400"/>
-              </a:spcBef>
-              <a:spcAft>
-                <a:spcPts val="0"/>
-              </a:spcAft>
-              <a:buClr>
-                <a:schemeClr val="dk1"/>
-              </a:buClr>
-              <a:buSzPts val="2000"/>
-              <a:buChar char="»"/>
-              <a:defRPr sz="2000"/>
-            </a:lvl5pPr>
-            <a:lvl6pPr marL="2743200" lvl="5" indent="-355600" algn="l">
-              <a:spcBef>
-                <a:spcPts val="400"/>
-              </a:spcBef>
-              <a:spcAft>
-                <a:spcPts val="0"/>
-              </a:spcAft>
-              <a:buClr>
-                <a:schemeClr val="dk1"/>
-              </a:buClr>
-              <a:buSzPts val="2000"/>
-              <a:buChar char="•"/>
-              <a:defRPr sz="2000"/>
-            </a:lvl6pPr>
-            <a:lvl7pPr marL="3200400" lvl="6" indent="-355600" algn="l">
-              <a:spcBef>
-                <a:spcPts val="400"/>
-              </a:spcBef>
-              <a:spcAft>
-                <a:spcPts val="0"/>
-              </a:spcAft>
-              <a:buClr>
-                <a:schemeClr val="dk1"/>
-              </a:buClr>
-              <a:buSzPts val="2000"/>
-              <a:buChar char="•"/>
-              <a:defRPr sz="2000"/>
-            </a:lvl7pPr>
-            <a:lvl8pPr marL="3657600" lvl="7" indent="-355600" algn="l">
-              <a:spcBef>
-                <a:spcPts val="400"/>
-              </a:spcBef>
-              <a:spcAft>
-                <a:spcPts val="0"/>
-              </a:spcAft>
-              <a:buClr>
-                <a:schemeClr val="dk1"/>
-              </a:buClr>
-              <a:buSzPts val="2000"/>
-              <a:buChar char="•"/>
-              <a:defRPr sz="2000"/>
-            </a:lvl8pPr>
-            <a:lvl9pPr marL="4114800" lvl="8" indent="-355600" algn="l">
-              <a:spcBef>
-                <a:spcPts val="400"/>
-              </a:spcBef>
-              <a:spcAft>
-                <a:spcPts val="0"/>
-              </a:spcAft>
-              <a:buClr>
-                <a:schemeClr val="dk1"/>
-              </a:buClr>
-              <a:buSzPts val="2000"/>
-              <a:buChar char="•"/>
-              <a:defRPr sz="2000"/>
-            </a:lvl9pPr>
-          </a:lstStyle>
-          <a:p/>
-        </p:txBody>
-      </p:sp>
-      <p:sp>
-        <p:nvSpPr>
-          <p:cNvPr id="57" name="Google Shape;57;p12"/>
-          <p:cNvSpPr txBox="1"/>
-          <p:nvPr>
-            <p:ph type="body" idx="2"/>
-          </p:nvPr>
-        </p:nvSpPr>
-        <p:spPr>
-          <a:xfrm>
-            <a:off x="457201" y="1076326"/>
-            <a:ext cx="3008313" cy="3518297"/>
-          </a:xfrm>
-          <a:prstGeom prst="rect">
-            <a:avLst/>
-          </a:prstGeom>
-          <a:noFill/>
-          <a:ln>
-            <a:noFill/>
-          </a:ln>
-        </p:spPr>
-        <p:txBody>
-          <a:bodyPr spcFirstLastPara="1" wrap="square" lIns="91425" tIns="45700" rIns="91425" bIns="45700" anchor="t" anchorCtr="0">
-            <a:noAutofit/>
-          </a:bodyPr>
-          <a:lstStyle>
-            <a:lvl1pPr marL="457200" lvl="0" indent="-228600" algn="l">
-              <a:spcBef>
-                <a:spcPts val="280"/>
-              </a:spcBef>
-              <a:spcAft>
-                <a:spcPts val="0"/>
-              </a:spcAft>
-              <a:buClr>
-                <a:schemeClr val="dk1"/>
-              </a:buClr>
-              <a:buSzPts val="1400"/>
-              <a:buNone/>
-              <a:defRPr sz="1400"/>
-            </a:lvl1pPr>
-            <a:lvl2pPr marL="914400" lvl="1" indent="-228600" algn="l">
-              <a:spcBef>
-                <a:spcPts val="240"/>
-              </a:spcBef>
-              <a:spcAft>
-                <a:spcPts val="0"/>
-              </a:spcAft>
-              <a:buClr>
-                <a:schemeClr val="dk1"/>
-              </a:buClr>
-              <a:buSzPts val="1200"/>
-              <a:buNone/>
-              <a:defRPr sz="1200"/>
-            </a:lvl2pPr>
-            <a:lvl3pPr marL="1371600" lvl="2" indent="-228600" algn="l">
-              <a:spcBef>
-                <a:spcPts val="200"/>
-              </a:spcBef>
-              <a:spcAft>
-                <a:spcPts val="0"/>
-              </a:spcAft>
-              <a:buClr>
-                <a:schemeClr val="dk1"/>
-              </a:buClr>
-              <a:buSzPts val="1000"/>
-              <a:buNone/>
-              <a:defRPr sz="1000"/>
-            </a:lvl3pPr>
-            <a:lvl4pPr marL="1828800" lvl="3" indent="-228600" algn="l">
-              <a:spcBef>
-                <a:spcPts val="180"/>
-              </a:spcBef>
-              <a:spcAft>
-                <a:spcPts val="0"/>
-              </a:spcAft>
-              <a:buClr>
-                <a:schemeClr val="dk1"/>
-              </a:buClr>
-              <a:buSzPts val="900"/>
-              <a:buNone/>
-              <a:defRPr sz="900"/>
-            </a:lvl4pPr>
-            <a:lvl5pPr marL="2286000" lvl="4" indent="-228600" algn="l">
-              <a:spcBef>
-                <a:spcPts val="180"/>
-              </a:spcBef>
-              <a:spcAft>
-                <a:spcPts val="0"/>
-              </a:spcAft>
-              <a:buClr>
-                <a:schemeClr val="dk1"/>
-              </a:buClr>
-              <a:buSzPts val="900"/>
-              <a:buNone/>
-              <a:defRPr sz="900"/>
-            </a:lvl5pPr>
-            <a:lvl6pPr marL="2743200" lvl="5" indent="-228600" algn="l">
-              <a:spcBef>
-                <a:spcPts val="180"/>
-              </a:spcBef>
-              <a:spcAft>
-                <a:spcPts val="0"/>
-              </a:spcAft>
-              <a:buClr>
-                <a:schemeClr val="dk1"/>
-              </a:buClr>
-              <a:buSzPts val="900"/>
-              <a:buNone/>
-              <a:defRPr sz="900"/>
-            </a:lvl6pPr>
-            <a:lvl7pPr marL="3200400" lvl="6" indent="-228600" algn="l">
-              <a:spcBef>
-                <a:spcPts val="180"/>
-              </a:spcBef>
-              <a:spcAft>
-                <a:spcPts val="0"/>
-              </a:spcAft>
-              <a:buClr>
-                <a:schemeClr val="dk1"/>
-              </a:buClr>
-              <a:buSzPts val="900"/>
-              <a:buNone/>
-              <a:defRPr sz="900"/>
-            </a:lvl7pPr>
-            <a:lvl8pPr marL="3657600" lvl="7" indent="-228600" algn="l">
-              <a:spcBef>
-                <a:spcPts val="180"/>
-              </a:spcBef>
-              <a:spcAft>
-                <a:spcPts val="0"/>
-              </a:spcAft>
-              <a:buClr>
-                <a:schemeClr val="dk1"/>
-              </a:buClr>
-              <a:buSzPts val="900"/>
-              <a:buNone/>
-              <a:defRPr sz="900"/>
-            </a:lvl8pPr>
-            <a:lvl9pPr marL="4114800" lvl="8" indent="-228600" algn="l">
-              <a:spcBef>
-                <a:spcPts val="180"/>
-              </a:spcBef>
-              <a:spcAft>
-                <a:spcPts val="0"/>
-              </a:spcAft>
-              <a:buClr>
-                <a:schemeClr val="dk1"/>
-              </a:buClr>
-              <a:buSzPts val="900"/>
-              <a:buNone/>
-              <a:defRPr sz="900"/>
-            </a:lvl9pPr>
-          </a:lstStyle>
-          <a:p/>
-        </p:txBody>
-      </p:sp>
-      <p:sp>
-        <p:nvSpPr>
-          <p:cNvPr id="58" name="Google Shape;58;p12"/>
-          <p:cNvSpPr txBox="1"/>
-          <p:nvPr>
-            <p:ph type="dt" idx="10"/>
-          </p:nvPr>
-        </p:nvSpPr>
-        <p:spPr>
-          <a:xfrm>
-            <a:off x="457200" y="4767263"/>
-            <a:ext cx="2133600" cy="274637"/>
-          </a:xfrm>
-          <a:prstGeom prst="rect">
-            <a:avLst/>
-          </a:prstGeom>
-          <a:noFill/>
-          <a:ln>
-            <a:noFill/>
-          </a:ln>
-        </p:spPr>
-        <p:txBody>
-          <a:bodyPr spcFirstLastPara="1" wrap="square" lIns="91425" tIns="45700" rIns="91425" bIns="45700" anchor="ctr" anchorCtr="0">
-            <a:noAutofit/>
-          </a:bodyPr>
-          <a:lstStyle>
-            <a:lvl1pPr lvl="0" algn="l">
-              <a:spcBef>
-                <a:spcPts val="0"/>
-              </a:spcBef>
-              <a:spcAft>
-                <a:spcPts val="0"/>
-              </a:spcAft>
-              <a:buSzPts val="1400"/>
-              <a:buNone/>
-              <a:defRPr/>
-            </a:lvl1pPr>
-            <a:lvl2pPr lvl="1" algn="l">
-              <a:spcBef>
-                <a:spcPts val="0"/>
-              </a:spcBef>
-              <a:spcAft>
-                <a:spcPts val="0"/>
-              </a:spcAft>
-              <a:buSzPts val="1400"/>
-              <a:buNone/>
-              <a:defRPr/>
-            </a:lvl2pPr>
-            <a:lvl3pPr lvl="2" algn="l">
-              <a:spcBef>
-                <a:spcPts val="0"/>
-              </a:spcBef>
-              <a:spcAft>
-                <a:spcPts val="0"/>
-              </a:spcAft>
-              <a:buSzPts val="1400"/>
-              <a:buNone/>
-              <a:defRPr/>
-            </a:lvl3pPr>
-            <a:lvl4pPr lvl="3" algn="l">
-              <a:spcBef>
-                <a:spcPts val="0"/>
-              </a:spcBef>
-              <a:spcAft>
-                <a:spcPts val="0"/>
-              </a:spcAft>
-              <a:buSzPts val="1400"/>
-              <a:buNone/>
-              <a:defRPr/>
-            </a:lvl4pPr>
-            <a:lvl5pPr lvl="4" algn="l">
-              <a:spcBef>
-                <a:spcPts val="0"/>
-              </a:spcBef>
-              <a:spcAft>
-                <a:spcPts val="0"/>
-              </a:spcAft>
-              <a:buSzPts val="1400"/>
-              <a:buNone/>
-              <a:defRPr/>
-            </a:lvl5pPr>
-            <a:lvl6pPr lvl="5" algn="l">
-              <a:spcBef>
-                <a:spcPts val="0"/>
-              </a:spcBef>
-              <a:spcAft>
-                <a:spcPts val="0"/>
-              </a:spcAft>
-              <a:buSzPts val="1400"/>
-              <a:buNone/>
-              <a:defRPr/>
-            </a:lvl6pPr>
-            <a:lvl7pPr lvl="6" algn="l">
-              <a:spcBef>
-                <a:spcPts val="0"/>
-              </a:spcBef>
-              <a:spcAft>
-                <a:spcPts val="0"/>
-              </a:spcAft>
-              <a:buSzPts val="1400"/>
-              <a:buNone/>
-              <a:defRPr/>
-            </a:lvl7pPr>
-            <a:lvl8pPr lvl="7" algn="l">
-              <a:spcBef>
-                <a:spcPts val="0"/>
-              </a:spcBef>
-              <a:spcAft>
-                <a:spcPts val="0"/>
-              </a:spcAft>
-              <a:buSzPts val="1400"/>
-              <a:buNone/>
-              <a:defRPr/>
-            </a:lvl8pPr>
-            <a:lvl9pPr lvl="8" algn="l">
-              <a:spcBef>
-                <a:spcPts val="0"/>
-              </a:spcBef>
-              <a:spcAft>
-                <a:spcPts val="0"/>
-              </a:spcAft>
-              <a:buSzPts val="1400"/>
-              <a:buNone/>
-              <a:defRPr/>
-            </a:lvl9pPr>
-          </a:lstStyle>
-          <a:p/>
-        </p:txBody>
-      </p:sp>
-      <p:sp>
-        <p:nvSpPr>
-          <p:cNvPr id="59" name="Google Shape;59;p12"/>
-          <p:cNvSpPr txBox="1"/>
-          <p:nvPr>
-            <p:ph type="ftr" idx="11"/>
-          </p:nvPr>
-        </p:nvSpPr>
-        <p:spPr>
-          <a:xfrm>
-            <a:off x="3124200" y="4767263"/>
-            <a:ext cx="2895600" cy="274637"/>
-          </a:xfrm>
-          <a:prstGeom prst="rect">
-            <a:avLst/>
-          </a:prstGeom>
-          <a:noFill/>
-          <a:ln>
-            <a:noFill/>
-          </a:ln>
-        </p:spPr>
-        <p:txBody>
-          <a:bodyPr spcFirstLastPara="1" wrap="square" lIns="91425" tIns="45700" rIns="91425" bIns="45700" anchor="ctr" anchorCtr="0">
-            <a:noAutofit/>
-          </a:bodyPr>
-          <a:lstStyle>
-            <a:lvl1pPr lvl="0" algn="ctr">
-              <a:spcBef>
-                <a:spcPts val="0"/>
-              </a:spcBef>
-              <a:spcAft>
-                <a:spcPts val="0"/>
-              </a:spcAft>
-              <a:buSzPts val="1400"/>
-              <a:buNone/>
-              <a:defRPr/>
-            </a:lvl1pPr>
-            <a:lvl2pPr lvl="1" algn="l">
-              <a:spcBef>
-                <a:spcPts val="0"/>
-              </a:spcBef>
-              <a:spcAft>
-                <a:spcPts val="0"/>
-              </a:spcAft>
-              <a:buSzPts val="1400"/>
-              <a:buNone/>
-              <a:defRPr/>
-            </a:lvl2pPr>
-            <a:lvl3pPr lvl="2" algn="l">
-              <a:spcBef>
-                <a:spcPts val="0"/>
-              </a:spcBef>
-              <a:spcAft>
-                <a:spcPts val="0"/>
-              </a:spcAft>
-              <a:buSzPts val="1400"/>
-              <a:buNone/>
-              <a:defRPr/>
-            </a:lvl3pPr>
-            <a:lvl4pPr lvl="3" algn="l">
-              <a:spcBef>
-                <a:spcPts val="0"/>
-              </a:spcBef>
-              <a:spcAft>
-                <a:spcPts val="0"/>
-              </a:spcAft>
-              <a:buSzPts val="1400"/>
-              <a:buNone/>
-              <a:defRPr/>
-            </a:lvl4pPr>
-            <a:lvl5pPr lvl="4" algn="l">
-              <a:spcBef>
-                <a:spcPts val="0"/>
-              </a:spcBef>
-              <a:spcAft>
-                <a:spcPts val="0"/>
-              </a:spcAft>
-              <a:buSzPts val="1400"/>
-              <a:buNone/>
-              <a:defRPr/>
-            </a:lvl5pPr>
-            <a:lvl6pPr lvl="5" algn="l">
-              <a:spcBef>
-                <a:spcPts val="0"/>
-              </a:spcBef>
-              <a:spcAft>
-                <a:spcPts val="0"/>
-              </a:spcAft>
-              <a:buSzPts val="1400"/>
-              <a:buNone/>
-              <a:defRPr/>
-            </a:lvl6pPr>
-            <a:lvl7pPr lvl="6" algn="l">
-              <a:spcBef>
-                <a:spcPts val="0"/>
-              </a:spcBef>
-              <a:spcAft>
-                <a:spcPts val="0"/>
-              </a:spcAft>
-              <a:buSzPts val="1400"/>
-              <a:buNone/>
-              <a:defRPr/>
-            </a:lvl7pPr>
-            <a:lvl8pPr lvl="7" algn="l">
-              <a:spcBef>
-                <a:spcPts val="0"/>
-              </a:spcBef>
-              <a:spcAft>
-                <a:spcPts val="0"/>
-              </a:spcAft>
-              <a:buSzPts val="1400"/>
-              <a:buNone/>
-              <a:defRPr/>
-            </a:lvl8pPr>
-            <a:lvl9pPr lvl="8" algn="l">
-              <a:spcBef>
-                <a:spcPts val="0"/>
-              </a:spcBef>
-              <a:spcAft>
-                <a:spcPts val="0"/>
-              </a:spcAft>
-              <a:buSzPts val="1400"/>
-              <a:buNone/>
-              <a:defRPr/>
-            </a:lvl9pPr>
-          </a:lstStyle>
-          <a:p>
-            <a:r>
-              <a:t>2</a:t>
-            </a:r>
-          </a:p>
-        </p:txBody>
-      </p:sp>
-      <p:sp>
-        <p:nvSpPr>
-          <p:cNvPr id="60" name="Google Shape;60;p12"/>
           <p:cNvSpPr txBox="1"/>
           <p:nvPr>
             <p:ph type="sldNum" idx="12"/>
@@ -11991,6 +11098,941 @@
 </file>
 
 <file path=ppt/slideLayouts/slideLayout20.xml><?xml version="1.0" encoding="utf-8"?>
+<p:sldLayout xmlns:a="http://schemas.openxmlformats.org/drawingml/2006/main" xmlns:r="http://schemas.openxmlformats.org/officeDocument/2006/relationships" xmlns:p="http://schemas.openxmlformats.org/presentationml/2006/main" type="objTx" matchingName="Объект с подписью">
+  <p:cSld name="OBJECT_WITH_CAPTION_TEXT">
+    <p:spTree>
+      <p:nvGrpSpPr>
+        <p:cNvPr id="54" name="Shape 54"/>
+        <p:cNvGrpSpPr/>
+        <p:nvPr/>
+      </p:nvGrpSpPr>
+      <p:grpSpPr>
+        <a:xfrm>
+          <a:off x="0" y="0"/>
+          <a:ext cx="0" cy="0"/>
+          <a:chOff x="0" y="0"/>
+          <a:chExt cx="0" cy="0"/>
+        </a:xfrm>
+      </p:grpSpPr>
+      <p:sp>
+        <p:nvSpPr>
+          <p:cNvPr id="55" name="Google Shape;55;p12"/>
+          <p:cNvSpPr txBox="1"/>
+          <p:nvPr>
+            <p:ph type="title"/>
+          </p:nvPr>
+        </p:nvSpPr>
+        <p:spPr>
+          <a:xfrm>
+            <a:off x="457201" y="204787"/>
+            <a:ext cx="3008313" cy="871538"/>
+          </a:xfrm>
+          <a:prstGeom prst="rect">
+            <a:avLst/>
+          </a:prstGeom>
+          <a:noFill/>
+          <a:ln>
+            <a:noFill/>
+          </a:ln>
+        </p:spPr>
+        <p:txBody>
+          <a:bodyPr spcFirstLastPara="1" wrap="square" lIns="91425" tIns="45700" rIns="91425" bIns="45700" anchor="b" anchorCtr="0">
+            <a:noAutofit/>
+          </a:bodyPr>
+          <a:lstStyle>
+            <a:lvl1pPr lvl="0" algn="l">
+              <a:spcBef>
+                <a:spcPts val="0"/>
+              </a:spcBef>
+              <a:spcAft>
+                <a:spcPts val="0"/>
+              </a:spcAft>
+              <a:buSzPts val="1400"/>
+              <a:buNone/>
+              <a:defRPr sz="2000" b="1"/>
+            </a:lvl1pPr>
+            <a:lvl2pPr lvl="1" algn="ctr">
+              <a:spcBef>
+                <a:spcPts val="0"/>
+              </a:spcBef>
+              <a:spcAft>
+                <a:spcPts val="0"/>
+              </a:spcAft>
+              <a:buSzPts val="1400"/>
+              <a:buNone/>
+              <a:defRPr/>
+            </a:lvl2pPr>
+            <a:lvl3pPr lvl="2" algn="ctr">
+              <a:spcBef>
+                <a:spcPts val="0"/>
+              </a:spcBef>
+              <a:spcAft>
+                <a:spcPts val="0"/>
+              </a:spcAft>
+              <a:buSzPts val="1400"/>
+              <a:buNone/>
+              <a:defRPr/>
+            </a:lvl3pPr>
+            <a:lvl4pPr lvl="3" algn="ctr">
+              <a:spcBef>
+                <a:spcPts val="0"/>
+              </a:spcBef>
+              <a:spcAft>
+                <a:spcPts val="0"/>
+              </a:spcAft>
+              <a:buSzPts val="1400"/>
+              <a:buNone/>
+              <a:defRPr/>
+            </a:lvl4pPr>
+            <a:lvl5pPr lvl="4" algn="ctr">
+              <a:spcBef>
+                <a:spcPts val="0"/>
+              </a:spcBef>
+              <a:spcAft>
+                <a:spcPts val="0"/>
+              </a:spcAft>
+              <a:buSzPts val="1400"/>
+              <a:buNone/>
+              <a:defRPr/>
+            </a:lvl5pPr>
+            <a:lvl6pPr lvl="5" algn="ctr">
+              <a:spcBef>
+                <a:spcPts val="0"/>
+              </a:spcBef>
+              <a:spcAft>
+                <a:spcPts val="0"/>
+              </a:spcAft>
+              <a:buSzPts val="1400"/>
+              <a:buNone/>
+              <a:defRPr/>
+            </a:lvl6pPr>
+            <a:lvl7pPr lvl="6" algn="ctr">
+              <a:spcBef>
+                <a:spcPts val="0"/>
+              </a:spcBef>
+              <a:spcAft>
+                <a:spcPts val="0"/>
+              </a:spcAft>
+              <a:buSzPts val="1400"/>
+              <a:buNone/>
+              <a:defRPr/>
+            </a:lvl7pPr>
+            <a:lvl8pPr lvl="7" algn="ctr">
+              <a:spcBef>
+                <a:spcPts val="0"/>
+              </a:spcBef>
+              <a:spcAft>
+                <a:spcPts val="0"/>
+              </a:spcAft>
+              <a:buSzPts val="1400"/>
+              <a:buNone/>
+              <a:defRPr/>
+            </a:lvl8pPr>
+            <a:lvl9pPr lvl="8" algn="ctr">
+              <a:spcBef>
+                <a:spcPts val="0"/>
+              </a:spcBef>
+              <a:spcAft>
+                <a:spcPts val="0"/>
+              </a:spcAft>
+              <a:buSzPts val="1400"/>
+              <a:buNone/>
+              <a:defRPr/>
+            </a:lvl9pPr>
+          </a:lstStyle>
+          <a:p/>
+        </p:txBody>
+      </p:sp>
+      <p:sp>
+        <p:nvSpPr>
+          <p:cNvPr id="56" name="Google Shape;56;p12"/>
+          <p:cNvSpPr txBox="1"/>
+          <p:nvPr>
+            <p:ph type="body" idx="1"/>
+          </p:nvPr>
+        </p:nvSpPr>
+        <p:spPr>
+          <a:xfrm>
+            <a:off x="3575050" y="204788"/>
+            <a:ext cx="5111750" cy="4389835"/>
+          </a:xfrm>
+          <a:prstGeom prst="rect">
+            <a:avLst/>
+          </a:prstGeom>
+          <a:noFill/>
+          <a:ln>
+            <a:noFill/>
+          </a:ln>
+        </p:spPr>
+        <p:txBody>
+          <a:bodyPr spcFirstLastPara="1" wrap="square" lIns="91425" tIns="45700" rIns="91425" bIns="45700" anchor="t" anchorCtr="0">
+            <a:noAutofit/>
+          </a:bodyPr>
+          <a:lstStyle>
+            <a:lvl1pPr marL="457200" lvl="0" indent="-431800" algn="l">
+              <a:spcBef>
+                <a:spcPts val="640"/>
+              </a:spcBef>
+              <a:spcAft>
+                <a:spcPts val="0"/>
+              </a:spcAft>
+              <a:buClr>
+                <a:schemeClr val="dk1"/>
+              </a:buClr>
+              <a:buSzPts val="3200"/>
+              <a:buChar char="•"/>
+              <a:defRPr sz="3200"/>
+            </a:lvl1pPr>
+            <a:lvl2pPr marL="914400" lvl="1" indent="-406400" algn="l">
+              <a:spcBef>
+                <a:spcPts val="560"/>
+              </a:spcBef>
+              <a:spcAft>
+                <a:spcPts val="0"/>
+              </a:spcAft>
+              <a:buClr>
+                <a:schemeClr val="dk1"/>
+              </a:buClr>
+              <a:buSzPts val="2800"/>
+              <a:buChar char="–"/>
+              <a:defRPr sz="2800"/>
+            </a:lvl2pPr>
+            <a:lvl3pPr marL="1371600" lvl="2" indent="-381000" algn="l">
+              <a:spcBef>
+                <a:spcPts val="480"/>
+              </a:spcBef>
+              <a:spcAft>
+                <a:spcPts val="0"/>
+              </a:spcAft>
+              <a:buClr>
+                <a:schemeClr val="dk1"/>
+              </a:buClr>
+              <a:buSzPts val="2400"/>
+              <a:buChar char="•"/>
+              <a:defRPr sz="2400"/>
+            </a:lvl3pPr>
+            <a:lvl4pPr marL="1828800" lvl="3" indent="-355600" algn="l">
+              <a:spcBef>
+                <a:spcPts val="400"/>
+              </a:spcBef>
+              <a:spcAft>
+                <a:spcPts val="0"/>
+              </a:spcAft>
+              <a:buClr>
+                <a:schemeClr val="dk1"/>
+              </a:buClr>
+              <a:buSzPts val="2000"/>
+              <a:buChar char="–"/>
+              <a:defRPr sz="2000"/>
+            </a:lvl4pPr>
+            <a:lvl5pPr marL="2286000" lvl="4" indent="-355600" algn="l">
+              <a:spcBef>
+                <a:spcPts val="400"/>
+              </a:spcBef>
+              <a:spcAft>
+                <a:spcPts val="0"/>
+              </a:spcAft>
+              <a:buClr>
+                <a:schemeClr val="dk1"/>
+              </a:buClr>
+              <a:buSzPts val="2000"/>
+              <a:buChar char="»"/>
+              <a:defRPr sz="2000"/>
+            </a:lvl5pPr>
+            <a:lvl6pPr marL="2743200" lvl="5" indent="-355600" algn="l">
+              <a:spcBef>
+                <a:spcPts val="400"/>
+              </a:spcBef>
+              <a:spcAft>
+                <a:spcPts val="0"/>
+              </a:spcAft>
+              <a:buClr>
+                <a:schemeClr val="dk1"/>
+              </a:buClr>
+              <a:buSzPts val="2000"/>
+              <a:buChar char="•"/>
+              <a:defRPr sz="2000"/>
+            </a:lvl6pPr>
+            <a:lvl7pPr marL="3200400" lvl="6" indent="-355600" algn="l">
+              <a:spcBef>
+                <a:spcPts val="400"/>
+              </a:spcBef>
+              <a:spcAft>
+                <a:spcPts val="0"/>
+              </a:spcAft>
+              <a:buClr>
+                <a:schemeClr val="dk1"/>
+              </a:buClr>
+              <a:buSzPts val="2000"/>
+              <a:buChar char="•"/>
+              <a:defRPr sz="2000"/>
+            </a:lvl7pPr>
+            <a:lvl8pPr marL="3657600" lvl="7" indent="-355600" algn="l">
+              <a:spcBef>
+                <a:spcPts val="400"/>
+              </a:spcBef>
+              <a:spcAft>
+                <a:spcPts val="0"/>
+              </a:spcAft>
+              <a:buClr>
+                <a:schemeClr val="dk1"/>
+              </a:buClr>
+              <a:buSzPts val="2000"/>
+              <a:buChar char="•"/>
+              <a:defRPr sz="2000"/>
+            </a:lvl8pPr>
+            <a:lvl9pPr marL="4114800" lvl="8" indent="-355600" algn="l">
+              <a:spcBef>
+                <a:spcPts val="400"/>
+              </a:spcBef>
+              <a:spcAft>
+                <a:spcPts val="0"/>
+              </a:spcAft>
+              <a:buClr>
+                <a:schemeClr val="dk1"/>
+              </a:buClr>
+              <a:buSzPts val="2000"/>
+              <a:buChar char="•"/>
+              <a:defRPr sz="2000"/>
+            </a:lvl9pPr>
+          </a:lstStyle>
+          <a:p/>
+        </p:txBody>
+      </p:sp>
+      <p:sp>
+        <p:nvSpPr>
+          <p:cNvPr id="57" name="Google Shape;57;p12"/>
+          <p:cNvSpPr txBox="1"/>
+          <p:nvPr>
+            <p:ph type="body" idx="2"/>
+          </p:nvPr>
+        </p:nvSpPr>
+        <p:spPr>
+          <a:xfrm>
+            <a:off x="457201" y="1076326"/>
+            <a:ext cx="3008313" cy="3518297"/>
+          </a:xfrm>
+          <a:prstGeom prst="rect">
+            <a:avLst/>
+          </a:prstGeom>
+          <a:noFill/>
+          <a:ln>
+            <a:noFill/>
+          </a:ln>
+        </p:spPr>
+        <p:txBody>
+          <a:bodyPr spcFirstLastPara="1" wrap="square" lIns="91425" tIns="45700" rIns="91425" bIns="45700" anchor="t" anchorCtr="0">
+            <a:noAutofit/>
+          </a:bodyPr>
+          <a:lstStyle>
+            <a:lvl1pPr marL="457200" lvl="0" indent="-228600" algn="l">
+              <a:spcBef>
+                <a:spcPts val="280"/>
+              </a:spcBef>
+              <a:spcAft>
+                <a:spcPts val="0"/>
+              </a:spcAft>
+              <a:buClr>
+                <a:schemeClr val="dk1"/>
+              </a:buClr>
+              <a:buSzPts val="1400"/>
+              <a:buNone/>
+              <a:defRPr sz="1400"/>
+            </a:lvl1pPr>
+            <a:lvl2pPr marL="914400" lvl="1" indent="-228600" algn="l">
+              <a:spcBef>
+                <a:spcPts val="240"/>
+              </a:spcBef>
+              <a:spcAft>
+                <a:spcPts val="0"/>
+              </a:spcAft>
+              <a:buClr>
+                <a:schemeClr val="dk1"/>
+              </a:buClr>
+              <a:buSzPts val="1200"/>
+              <a:buNone/>
+              <a:defRPr sz="1200"/>
+            </a:lvl2pPr>
+            <a:lvl3pPr marL="1371600" lvl="2" indent="-228600" algn="l">
+              <a:spcBef>
+                <a:spcPts val="200"/>
+              </a:spcBef>
+              <a:spcAft>
+                <a:spcPts val="0"/>
+              </a:spcAft>
+              <a:buClr>
+                <a:schemeClr val="dk1"/>
+              </a:buClr>
+              <a:buSzPts val="1000"/>
+              <a:buNone/>
+              <a:defRPr sz="1000"/>
+            </a:lvl3pPr>
+            <a:lvl4pPr marL="1828800" lvl="3" indent="-228600" algn="l">
+              <a:spcBef>
+                <a:spcPts val="180"/>
+              </a:spcBef>
+              <a:spcAft>
+                <a:spcPts val="0"/>
+              </a:spcAft>
+              <a:buClr>
+                <a:schemeClr val="dk1"/>
+              </a:buClr>
+              <a:buSzPts val="900"/>
+              <a:buNone/>
+              <a:defRPr sz="900"/>
+            </a:lvl4pPr>
+            <a:lvl5pPr marL="2286000" lvl="4" indent="-228600" algn="l">
+              <a:spcBef>
+                <a:spcPts val="180"/>
+              </a:spcBef>
+              <a:spcAft>
+                <a:spcPts val="0"/>
+              </a:spcAft>
+              <a:buClr>
+                <a:schemeClr val="dk1"/>
+              </a:buClr>
+              <a:buSzPts val="900"/>
+              <a:buNone/>
+              <a:defRPr sz="900"/>
+            </a:lvl5pPr>
+            <a:lvl6pPr marL="2743200" lvl="5" indent="-228600" algn="l">
+              <a:spcBef>
+                <a:spcPts val="180"/>
+              </a:spcBef>
+              <a:spcAft>
+                <a:spcPts val="0"/>
+              </a:spcAft>
+              <a:buClr>
+                <a:schemeClr val="dk1"/>
+              </a:buClr>
+              <a:buSzPts val="900"/>
+              <a:buNone/>
+              <a:defRPr sz="900"/>
+            </a:lvl6pPr>
+            <a:lvl7pPr marL="3200400" lvl="6" indent="-228600" algn="l">
+              <a:spcBef>
+                <a:spcPts val="180"/>
+              </a:spcBef>
+              <a:spcAft>
+                <a:spcPts val="0"/>
+              </a:spcAft>
+              <a:buClr>
+                <a:schemeClr val="dk1"/>
+              </a:buClr>
+              <a:buSzPts val="900"/>
+              <a:buNone/>
+              <a:defRPr sz="900"/>
+            </a:lvl7pPr>
+            <a:lvl8pPr marL="3657600" lvl="7" indent="-228600" algn="l">
+              <a:spcBef>
+                <a:spcPts val="180"/>
+              </a:spcBef>
+              <a:spcAft>
+                <a:spcPts val="0"/>
+              </a:spcAft>
+              <a:buClr>
+                <a:schemeClr val="dk1"/>
+              </a:buClr>
+              <a:buSzPts val="900"/>
+              <a:buNone/>
+              <a:defRPr sz="900"/>
+            </a:lvl8pPr>
+            <a:lvl9pPr marL="4114800" lvl="8" indent="-228600" algn="l">
+              <a:spcBef>
+                <a:spcPts val="180"/>
+              </a:spcBef>
+              <a:spcAft>
+                <a:spcPts val="0"/>
+              </a:spcAft>
+              <a:buClr>
+                <a:schemeClr val="dk1"/>
+              </a:buClr>
+              <a:buSzPts val="900"/>
+              <a:buNone/>
+              <a:defRPr sz="900"/>
+            </a:lvl9pPr>
+          </a:lstStyle>
+          <a:p/>
+        </p:txBody>
+      </p:sp>
+      <p:sp>
+        <p:nvSpPr>
+          <p:cNvPr id="58" name="Google Shape;58;p12"/>
+          <p:cNvSpPr txBox="1"/>
+          <p:nvPr>
+            <p:ph type="dt" idx="10"/>
+          </p:nvPr>
+        </p:nvSpPr>
+        <p:spPr>
+          <a:xfrm>
+            <a:off x="457200" y="4767263"/>
+            <a:ext cx="2133600" cy="274637"/>
+          </a:xfrm>
+          <a:prstGeom prst="rect">
+            <a:avLst/>
+          </a:prstGeom>
+          <a:noFill/>
+          <a:ln>
+            <a:noFill/>
+          </a:ln>
+        </p:spPr>
+        <p:txBody>
+          <a:bodyPr spcFirstLastPara="1" wrap="square" lIns="91425" tIns="45700" rIns="91425" bIns="45700" anchor="ctr" anchorCtr="0">
+            <a:noAutofit/>
+          </a:bodyPr>
+          <a:lstStyle>
+            <a:lvl1pPr lvl="0" algn="l">
+              <a:spcBef>
+                <a:spcPts val="0"/>
+              </a:spcBef>
+              <a:spcAft>
+                <a:spcPts val="0"/>
+              </a:spcAft>
+              <a:buSzPts val="1400"/>
+              <a:buNone/>
+              <a:defRPr/>
+            </a:lvl1pPr>
+            <a:lvl2pPr lvl="1" algn="l">
+              <a:spcBef>
+                <a:spcPts val="0"/>
+              </a:spcBef>
+              <a:spcAft>
+                <a:spcPts val="0"/>
+              </a:spcAft>
+              <a:buSzPts val="1400"/>
+              <a:buNone/>
+              <a:defRPr/>
+            </a:lvl2pPr>
+            <a:lvl3pPr lvl="2" algn="l">
+              <a:spcBef>
+                <a:spcPts val="0"/>
+              </a:spcBef>
+              <a:spcAft>
+                <a:spcPts val="0"/>
+              </a:spcAft>
+              <a:buSzPts val="1400"/>
+              <a:buNone/>
+              <a:defRPr/>
+            </a:lvl3pPr>
+            <a:lvl4pPr lvl="3" algn="l">
+              <a:spcBef>
+                <a:spcPts val="0"/>
+              </a:spcBef>
+              <a:spcAft>
+                <a:spcPts val="0"/>
+              </a:spcAft>
+              <a:buSzPts val="1400"/>
+              <a:buNone/>
+              <a:defRPr/>
+            </a:lvl4pPr>
+            <a:lvl5pPr lvl="4" algn="l">
+              <a:spcBef>
+                <a:spcPts val="0"/>
+              </a:spcBef>
+              <a:spcAft>
+                <a:spcPts val="0"/>
+              </a:spcAft>
+              <a:buSzPts val="1400"/>
+              <a:buNone/>
+              <a:defRPr/>
+            </a:lvl5pPr>
+            <a:lvl6pPr lvl="5" algn="l">
+              <a:spcBef>
+                <a:spcPts val="0"/>
+              </a:spcBef>
+              <a:spcAft>
+                <a:spcPts val="0"/>
+              </a:spcAft>
+              <a:buSzPts val="1400"/>
+              <a:buNone/>
+              <a:defRPr/>
+            </a:lvl6pPr>
+            <a:lvl7pPr lvl="6" algn="l">
+              <a:spcBef>
+                <a:spcPts val="0"/>
+              </a:spcBef>
+              <a:spcAft>
+                <a:spcPts val="0"/>
+              </a:spcAft>
+              <a:buSzPts val="1400"/>
+              <a:buNone/>
+              <a:defRPr/>
+            </a:lvl7pPr>
+            <a:lvl8pPr lvl="7" algn="l">
+              <a:spcBef>
+                <a:spcPts val="0"/>
+              </a:spcBef>
+              <a:spcAft>
+                <a:spcPts val="0"/>
+              </a:spcAft>
+              <a:buSzPts val="1400"/>
+              <a:buNone/>
+              <a:defRPr/>
+            </a:lvl8pPr>
+            <a:lvl9pPr lvl="8" algn="l">
+              <a:spcBef>
+                <a:spcPts val="0"/>
+              </a:spcBef>
+              <a:spcAft>
+                <a:spcPts val="0"/>
+              </a:spcAft>
+              <a:buSzPts val="1400"/>
+              <a:buNone/>
+              <a:defRPr/>
+            </a:lvl9pPr>
+          </a:lstStyle>
+          <a:p/>
+        </p:txBody>
+      </p:sp>
+      <p:sp>
+        <p:nvSpPr>
+          <p:cNvPr id="59" name="Google Shape;59;p12"/>
+          <p:cNvSpPr txBox="1"/>
+          <p:nvPr>
+            <p:ph type="ftr" idx="11"/>
+          </p:nvPr>
+        </p:nvSpPr>
+        <p:spPr>
+          <a:xfrm>
+            <a:off x="3124200" y="4767263"/>
+            <a:ext cx="2895600" cy="274637"/>
+          </a:xfrm>
+          <a:prstGeom prst="rect">
+            <a:avLst/>
+          </a:prstGeom>
+          <a:noFill/>
+          <a:ln>
+            <a:noFill/>
+          </a:ln>
+        </p:spPr>
+        <p:txBody>
+          <a:bodyPr spcFirstLastPara="1" wrap="square" lIns="91425" tIns="45700" rIns="91425" bIns="45700" anchor="ctr" anchorCtr="0">
+            <a:noAutofit/>
+          </a:bodyPr>
+          <a:lstStyle>
+            <a:lvl1pPr lvl="0" algn="ctr">
+              <a:spcBef>
+                <a:spcPts val="0"/>
+              </a:spcBef>
+              <a:spcAft>
+                <a:spcPts val="0"/>
+              </a:spcAft>
+              <a:buSzPts val="1400"/>
+              <a:buNone/>
+              <a:defRPr/>
+            </a:lvl1pPr>
+            <a:lvl2pPr lvl="1" algn="l">
+              <a:spcBef>
+                <a:spcPts val="0"/>
+              </a:spcBef>
+              <a:spcAft>
+                <a:spcPts val="0"/>
+              </a:spcAft>
+              <a:buSzPts val="1400"/>
+              <a:buNone/>
+              <a:defRPr/>
+            </a:lvl2pPr>
+            <a:lvl3pPr lvl="2" algn="l">
+              <a:spcBef>
+                <a:spcPts val="0"/>
+              </a:spcBef>
+              <a:spcAft>
+                <a:spcPts val="0"/>
+              </a:spcAft>
+              <a:buSzPts val="1400"/>
+              <a:buNone/>
+              <a:defRPr/>
+            </a:lvl3pPr>
+            <a:lvl4pPr lvl="3" algn="l">
+              <a:spcBef>
+                <a:spcPts val="0"/>
+              </a:spcBef>
+              <a:spcAft>
+                <a:spcPts val="0"/>
+              </a:spcAft>
+              <a:buSzPts val="1400"/>
+              <a:buNone/>
+              <a:defRPr/>
+            </a:lvl4pPr>
+            <a:lvl5pPr lvl="4" algn="l">
+              <a:spcBef>
+                <a:spcPts val="0"/>
+              </a:spcBef>
+              <a:spcAft>
+                <a:spcPts val="0"/>
+              </a:spcAft>
+              <a:buSzPts val="1400"/>
+              <a:buNone/>
+              <a:defRPr/>
+            </a:lvl5pPr>
+            <a:lvl6pPr lvl="5" algn="l">
+              <a:spcBef>
+                <a:spcPts val="0"/>
+              </a:spcBef>
+              <a:spcAft>
+                <a:spcPts val="0"/>
+              </a:spcAft>
+              <a:buSzPts val="1400"/>
+              <a:buNone/>
+              <a:defRPr/>
+            </a:lvl6pPr>
+            <a:lvl7pPr lvl="6" algn="l">
+              <a:spcBef>
+                <a:spcPts val="0"/>
+              </a:spcBef>
+              <a:spcAft>
+                <a:spcPts val="0"/>
+              </a:spcAft>
+              <a:buSzPts val="1400"/>
+              <a:buNone/>
+              <a:defRPr/>
+            </a:lvl7pPr>
+            <a:lvl8pPr lvl="7" algn="l">
+              <a:spcBef>
+                <a:spcPts val="0"/>
+              </a:spcBef>
+              <a:spcAft>
+                <a:spcPts val="0"/>
+              </a:spcAft>
+              <a:buSzPts val="1400"/>
+              <a:buNone/>
+              <a:defRPr/>
+            </a:lvl8pPr>
+            <a:lvl9pPr lvl="8" algn="l">
+              <a:spcBef>
+                <a:spcPts val="0"/>
+              </a:spcBef>
+              <a:spcAft>
+                <a:spcPts val="0"/>
+              </a:spcAft>
+              <a:buSzPts val="1400"/>
+              <a:buNone/>
+              <a:defRPr/>
+            </a:lvl9pPr>
+          </a:lstStyle>
+          <a:p>
+            <a:r>
+              <a:t>2</a:t>
+            </a:r>
+          </a:p>
+        </p:txBody>
+      </p:sp>
+      <p:sp>
+        <p:nvSpPr>
+          <p:cNvPr id="60" name="Google Shape;60;p12"/>
+          <p:cNvSpPr txBox="1"/>
+          <p:nvPr>
+            <p:ph type="sldNum" idx="12"/>
+          </p:nvPr>
+        </p:nvSpPr>
+        <p:spPr>
+          <a:xfrm>
+            <a:off x="6553200" y="4767263"/>
+            <a:ext cx="2133600" cy="274637"/>
+          </a:xfrm>
+          <a:prstGeom prst="rect">
+            <a:avLst/>
+          </a:prstGeom>
+          <a:noFill/>
+          <a:ln>
+            <a:noFill/>
+          </a:ln>
+        </p:spPr>
+        <p:txBody>
+          <a:bodyPr spcFirstLastPara="1" wrap="square" lIns="91425" tIns="45700" rIns="91425" bIns="45700" anchor="ctr" anchorCtr="0">
+            <a:noAutofit/>
+          </a:bodyPr>
+          <a:lstStyle>
+            <a:lvl1pPr marL="0" marR="0" lvl="0" indent="0" algn="r">
+              <a:spcBef>
+                <a:spcPts val="0"/>
+              </a:spcBef>
+              <a:spcAft>
+                <a:spcPts val="0"/>
+              </a:spcAft>
+              <a:buNone/>
+              <a:defRPr sz="1200" b="0" i="0" u="none" strike="noStrike" cap="none">
+                <a:solidFill>
+                  <a:srgbClr val="888888"/>
+                </a:solidFill>
+                <a:latin typeface="Calibri" panose="020F0502020204030204"/>
+                <a:ea typeface="Calibri" panose="020F0502020204030204"/>
+                <a:cs typeface="Calibri" panose="020F0502020204030204"/>
+                <a:sym typeface="Calibri" panose="020F0502020204030204"/>
+              </a:defRPr>
+            </a:lvl1pPr>
+            <a:lvl2pPr marL="0" marR="0" lvl="1" indent="0" algn="r">
+              <a:spcBef>
+                <a:spcPts val="0"/>
+              </a:spcBef>
+              <a:spcAft>
+                <a:spcPts val="0"/>
+              </a:spcAft>
+              <a:buNone/>
+              <a:defRPr sz="1200" b="0" i="0" u="none" strike="noStrike" cap="none">
+                <a:solidFill>
+                  <a:srgbClr val="888888"/>
+                </a:solidFill>
+                <a:latin typeface="Calibri" panose="020F0502020204030204"/>
+                <a:ea typeface="Calibri" panose="020F0502020204030204"/>
+                <a:cs typeface="Calibri" panose="020F0502020204030204"/>
+                <a:sym typeface="Calibri" panose="020F0502020204030204"/>
+              </a:defRPr>
+            </a:lvl2pPr>
+            <a:lvl3pPr marL="0" marR="0" lvl="2" indent="0" algn="r">
+              <a:spcBef>
+                <a:spcPts val="0"/>
+              </a:spcBef>
+              <a:spcAft>
+                <a:spcPts val="0"/>
+              </a:spcAft>
+              <a:buNone/>
+              <a:defRPr sz="1200" b="0" i="0" u="none" strike="noStrike" cap="none">
+                <a:solidFill>
+                  <a:srgbClr val="888888"/>
+                </a:solidFill>
+                <a:latin typeface="Calibri" panose="020F0502020204030204"/>
+                <a:ea typeface="Calibri" panose="020F0502020204030204"/>
+                <a:cs typeface="Calibri" panose="020F0502020204030204"/>
+                <a:sym typeface="Calibri" panose="020F0502020204030204"/>
+              </a:defRPr>
+            </a:lvl3pPr>
+            <a:lvl4pPr marL="0" marR="0" lvl="3" indent="0" algn="r">
+              <a:spcBef>
+                <a:spcPts val="0"/>
+              </a:spcBef>
+              <a:spcAft>
+                <a:spcPts val="0"/>
+              </a:spcAft>
+              <a:buNone/>
+              <a:defRPr sz="1200" b="0" i="0" u="none" strike="noStrike" cap="none">
+                <a:solidFill>
+                  <a:srgbClr val="888888"/>
+                </a:solidFill>
+                <a:latin typeface="Calibri" panose="020F0502020204030204"/>
+                <a:ea typeface="Calibri" panose="020F0502020204030204"/>
+                <a:cs typeface="Calibri" panose="020F0502020204030204"/>
+                <a:sym typeface="Calibri" panose="020F0502020204030204"/>
+              </a:defRPr>
+            </a:lvl4pPr>
+            <a:lvl5pPr marL="0" marR="0" lvl="4" indent="0" algn="r">
+              <a:spcBef>
+                <a:spcPts val="0"/>
+              </a:spcBef>
+              <a:spcAft>
+                <a:spcPts val="0"/>
+              </a:spcAft>
+              <a:buNone/>
+              <a:defRPr sz="1200" b="0" i="0" u="none" strike="noStrike" cap="none">
+                <a:solidFill>
+                  <a:srgbClr val="888888"/>
+                </a:solidFill>
+                <a:latin typeface="Calibri" panose="020F0502020204030204"/>
+                <a:ea typeface="Calibri" panose="020F0502020204030204"/>
+                <a:cs typeface="Calibri" panose="020F0502020204030204"/>
+                <a:sym typeface="Calibri" panose="020F0502020204030204"/>
+              </a:defRPr>
+            </a:lvl5pPr>
+            <a:lvl6pPr marL="0" marR="0" lvl="5" indent="0" algn="r">
+              <a:spcBef>
+                <a:spcPts val="0"/>
+              </a:spcBef>
+              <a:spcAft>
+                <a:spcPts val="0"/>
+              </a:spcAft>
+              <a:buNone/>
+              <a:defRPr sz="1200" b="0" i="0" u="none" strike="noStrike" cap="none">
+                <a:solidFill>
+                  <a:srgbClr val="888888"/>
+                </a:solidFill>
+                <a:latin typeface="Calibri" panose="020F0502020204030204"/>
+                <a:ea typeface="Calibri" panose="020F0502020204030204"/>
+                <a:cs typeface="Calibri" panose="020F0502020204030204"/>
+                <a:sym typeface="Calibri" panose="020F0502020204030204"/>
+              </a:defRPr>
+            </a:lvl6pPr>
+            <a:lvl7pPr marL="0" marR="0" lvl="6" indent="0" algn="r">
+              <a:spcBef>
+                <a:spcPts val="0"/>
+              </a:spcBef>
+              <a:spcAft>
+                <a:spcPts val="0"/>
+              </a:spcAft>
+              <a:buNone/>
+              <a:defRPr sz="1200" b="0" i="0" u="none" strike="noStrike" cap="none">
+                <a:solidFill>
+                  <a:srgbClr val="888888"/>
+                </a:solidFill>
+                <a:latin typeface="Calibri" panose="020F0502020204030204"/>
+                <a:ea typeface="Calibri" panose="020F0502020204030204"/>
+                <a:cs typeface="Calibri" panose="020F0502020204030204"/>
+                <a:sym typeface="Calibri" panose="020F0502020204030204"/>
+              </a:defRPr>
+            </a:lvl7pPr>
+            <a:lvl8pPr marL="0" marR="0" lvl="7" indent="0" algn="r">
+              <a:spcBef>
+                <a:spcPts val="0"/>
+              </a:spcBef>
+              <a:spcAft>
+                <a:spcPts val="0"/>
+              </a:spcAft>
+              <a:buNone/>
+              <a:defRPr sz="1200" b="0" i="0" u="none" strike="noStrike" cap="none">
+                <a:solidFill>
+                  <a:srgbClr val="888888"/>
+                </a:solidFill>
+                <a:latin typeface="Calibri" panose="020F0502020204030204"/>
+                <a:ea typeface="Calibri" panose="020F0502020204030204"/>
+                <a:cs typeface="Calibri" panose="020F0502020204030204"/>
+                <a:sym typeface="Calibri" panose="020F0502020204030204"/>
+              </a:defRPr>
+            </a:lvl8pPr>
+            <a:lvl9pPr marL="0" marR="0" lvl="8" indent="0" algn="r">
+              <a:spcBef>
+                <a:spcPts val="0"/>
+              </a:spcBef>
+              <a:spcAft>
+                <a:spcPts val="0"/>
+              </a:spcAft>
+              <a:buNone/>
+              <a:defRPr sz="1200" b="0" i="0" u="none" strike="noStrike" cap="none">
+                <a:solidFill>
+                  <a:srgbClr val="888888"/>
+                </a:solidFill>
+                <a:latin typeface="Calibri" panose="020F0502020204030204"/>
+                <a:ea typeface="Calibri" panose="020F0502020204030204"/>
+                <a:cs typeface="Calibri" panose="020F0502020204030204"/>
+                <a:sym typeface="Calibri" panose="020F0502020204030204"/>
+              </a:defRPr>
+            </a:lvl9pPr>
+          </a:lstStyle>
+          <a:p>
+            <a:pPr marL="0" lvl="0" indent="0" algn="r" rtl="0">
+              <a:spcBef>
+                <a:spcPts val="0"/>
+              </a:spcBef>
+              <a:spcAft>
+                <a:spcPts val="0"/>
+              </a:spcAft>
+              <a:buNone/>
+            </a:pPr>
+            <a:fld id="{00000000-1234-1234-1234-123412341234}" type="slidenum">
+              <a:rPr lang="ru-RU"/>
+            </a:fld>
+            <a:endParaRPr lang="ru-RU"/>
+          </a:p>
+        </p:txBody>
+      </p:sp>
+    </p:spTree>
+  </p:cSld>
+  <p:clrMapOvr>
+    <a:masterClrMapping/>
+  </p:clrMapOvr>
+  <p:hf hdr="0" ftr="0" dt="0"/>
+</p:sldLayout>
+</file>
+
+<file path=ppt/slideLayouts/slideLayout21.xml><?xml version="1.0" encoding="utf-8"?>
 <p:sldLayout xmlns:a="http://schemas.openxmlformats.org/drawingml/2006/main" xmlns:r="http://schemas.openxmlformats.org/officeDocument/2006/relationships" xmlns:p="http://schemas.openxmlformats.org/presentationml/2006/main" type="picTx" matchingName="Рисунок с подписью">
   <p:cSld name="PICTURE_WITH_CAPTION_TEXT">
     <p:spTree>
@@ -12791,7 +12833,7 @@
 </p:sldLayout>
 </file>
 
-<file path=ppt/slideLayouts/slideLayout21.xml><?xml version="1.0" encoding="utf-8"?>
+<file path=ppt/slideLayouts/slideLayout22.xml><?xml version="1.0" encoding="utf-8"?>
 <p:sldLayout xmlns:a="http://schemas.openxmlformats.org/drawingml/2006/main" xmlns:r="http://schemas.openxmlformats.org/officeDocument/2006/relationships" xmlns:p="http://schemas.openxmlformats.org/presentationml/2006/main" type="vertTx" matchingName="Заголовок и вертикальный текст">
   <p:cSld name="VERTICAL_TEXT">
     <p:spTree>
@@ -13570,7 +13612,7 @@
 </p:sldLayout>
 </file>
 
-<file path=ppt/slideLayouts/slideLayout22.xml><?xml version="1.0" encoding="utf-8"?>
+<file path=ppt/slideLayouts/slideLayout23.xml><?xml version="1.0" encoding="utf-8"?>
 <p:sldLayout xmlns:a="http://schemas.openxmlformats.org/drawingml/2006/main" xmlns:r="http://schemas.openxmlformats.org/officeDocument/2006/relationships" xmlns:p="http://schemas.openxmlformats.org/presentationml/2006/main" type="vertTitleAndTx" matchingName="Вертикальный заголовок и текст">
   <p:cSld name="VERTICAL_TITLE_AND_VERTICAL_TEXT">
     <p:spTree>
@@ -21289,6 +21331,7 @@
     <p:sldLayoutId id="2147483657" r:id="rId9"/>
     <p:sldLayoutId id="2147483658" r:id="rId10"/>
     <p:sldLayoutId id="2147483659" r:id="rId11"/>
+    <p:sldLayoutId id="2147483660" r:id="rId12"/>
   </p:sldLayoutIdLst>
   <p:hf hdr="0" ftr="0" dt="0"/>
   <p:txStyles>
@@ -23062,17 +23105,17 @@
   </p:cSld>
   <p:clrMap bg1="lt1" tx1="dk1" bg2="dk2" tx2="lt2" accent1="accent1" accent2="accent2" accent3="accent3" accent4="accent4" accent5="accent5" accent6="accent6" hlink="hlink" folHlink="folHlink"/>
   <p:sldLayoutIdLst>
-    <p:sldLayoutId id="2147483661" r:id="rId1"/>
-    <p:sldLayoutId id="2147483662" r:id="rId2"/>
-    <p:sldLayoutId id="2147483663" r:id="rId3"/>
-    <p:sldLayoutId id="2147483664" r:id="rId4"/>
-    <p:sldLayoutId id="2147483665" r:id="rId5"/>
-    <p:sldLayoutId id="2147483666" r:id="rId6"/>
-    <p:sldLayoutId id="2147483667" r:id="rId7"/>
-    <p:sldLayoutId id="2147483668" r:id="rId8"/>
-    <p:sldLayoutId id="2147483669" r:id="rId9"/>
-    <p:sldLayoutId id="2147483670" r:id="rId10"/>
-    <p:sldLayoutId id="2147483671" r:id="rId11"/>
+    <p:sldLayoutId id="2147483662" r:id="rId1"/>
+    <p:sldLayoutId id="2147483663" r:id="rId2"/>
+    <p:sldLayoutId id="2147483664" r:id="rId3"/>
+    <p:sldLayoutId id="2147483665" r:id="rId4"/>
+    <p:sldLayoutId id="2147483666" r:id="rId5"/>
+    <p:sldLayoutId id="2147483667" r:id="rId6"/>
+    <p:sldLayoutId id="2147483668" r:id="rId7"/>
+    <p:sldLayoutId id="2147483669" r:id="rId8"/>
+    <p:sldLayoutId id="2147483670" r:id="rId9"/>
+    <p:sldLayoutId id="2147483671" r:id="rId10"/>
+    <p:sldLayoutId id="2147483672" r:id="rId11"/>
   </p:sldLayoutIdLst>
   <p:hf hdr="0" ftr="0" dt="0"/>
   <p:txStyles>
@@ -23772,7 +23815,7 @@
   <p:cSld>
     <p:spTree>
       <p:nvGrpSpPr>
-        <p:cNvPr id="83" name="Shape 83"/>
+        <p:cNvPr id="1" name=""/>
         <p:cNvGrpSpPr/>
         <p:nvPr/>
       </p:nvGrpSpPr>
@@ -23792,8 +23835,8 @@
         </p:nvSpPr>
         <p:spPr>
           <a:xfrm>
-            <a:off x="1948815" y="-3810"/>
-            <a:ext cx="5285740" cy="1076325"/>
+            <a:off x="1942465" y="1412240"/>
+            <a:ext cx="5299075" cy="481330"/>
           </a:xfrm>
           <a:prstGeom prst="rect">
             <a:avLst/>
@@ -23807,7 +23850,6 @@
           <a:bodyPr spcFirstLastPara="1" wrap="square" lIns="91425" tIns="45700" rIns="91425" bIns="45700" anchor="ctr" anchorCtr="0">
             <a:noAutofit/>
           </a:bodyPr>
-          <a:lstStyle/>
           <a:p>
             <a:pPr marL="0" indent="0" algn="ctr">
               <a:buClr>
@@ -23827,27 +23869,14 @@
                 <a:cs typeface="Arial" panose="020B0604020202020204" pitchFamily="34" charset="0"/>
                 <a:sym typeface="Calibri" panose="020F0502020204030204"/>
               </a:rPr>
-              <a:t>ВЫПУСКНАЯ КВАЛИФИКАЦИОННАЯ РАБОТА</a:t>
+              <a:t>Выпускная </a:t>
             </a:r>
-            <a:endParaRPr lang="ru-RU" altLang="ru-RU" sz="1800" cap="none">
-              <a:solidFill>
-                <a:schemeClr val="tx1"/>
-              </a:solidFill>
-              <a:latin typeface="Arial" panose="020B0604020202020204" pitchFamily="34" charset="0"/>
-              <a:ea typeface="Calibri" panose="020F0502020204030204"/>
-              <a:cs typeface="Arial" panose="020B0604020202020204" pitchFamily="34" charset="0"/>
-              <a:sym typeface="Calibri" panose="020F0502020204030204"/>
-            </a:endParaRPr>
-          </a:p>
-          <a:p>
-            <a:pPr marL="0" indent="0" algn="ctr">
-              <a:buClr>
-                <a:srgbClr val="A5A5A5"/>
-              </a:buClr>
-              <a:buSzPts val="2400"/>
-              <a:buFont typeface="Calibri" panose="020F0502020204030204"/>
-              <a:buNone/>
-            </a:pPr>
+            <a:r>
+              <a:rPr lang="ru-RU" sz="1800" dirty="0" smtClean="0">
+                <a:sym typeface="+mn-ea"/>
+              </a:rPr>
+              <a:t>квалификационная </a:t>
+            </a:r>
             <a:r>
               <a:rPr lang="ru-RU" altLang="ru-RU" sz="1800" cap="none">
                 <a:solidFill>
@@ -23858,7 +23887,7 @@
                 <a:cs typeface="Arial" panose="020B0604020202020204" pitchFamily="34" charset="0"/>
                 <a:sym typeface="Calibri" panose="020F0502020204030204"/>
               </a:rPr>
-              <a:t>(бакалаврская работа)</a:t>
+              <a:t>работа</a:t>
             </a:r>
             <a:endParaRPr lang="ru-RU" altLang="ru-RU" sz="1800" cap="none">
               <a:solidFill>
@@ -23967,8 +23996,8 @@
         </p:nvSpPr>
         <p:spPr>
           <a:xfrm>
-            <a:off x="95250" y="1205230"/>
-            <a:ext cx="8952230" cy="737235"/>
+            <a:off x="191770" y="33020"/>
+            <a:ext cx="8952230" cy="953135"/>
           </a:xfrm>
           <a:prstGeom prst="rect">
             <a:avLst/>
@@ -24033,6 +24062,26 @@
               </a:rPr>
               <a:t>.</a:t>
             </a:r>
+            <a:endParaRPr lang="ru-RU" altLang="en-US">
+              <a:latin typeface="Arial" panose="020B0604020202020204" pitchFamily="34" charset="0"/>
+              <a:cs typeface="Arial" panose="020B0604020202020204" pitchFamily="34" charset="0"/>
+            </a:endParaRPr>
+          </a:p>
+          <a:p>
+            <a:pPr marL="0" indent="450215" algn="ctr"/>
+            <a:r>
+              <a:rPr lang="ru-RU" dirty="0" smtClean="0">
+                <a:sym typeface="+mn-ea"/>
+              </a:rPr>
+              <a:t>Институт энергомашиностроения и механики</a:t>
+            </a:r>
+            <a:r>
+              <a:rPr lang="ru-RU" altLang="en-US">
+                <a:latin typeface="Arial" panose="020B0604020202020204" pitchFamily="34" charset="0"/>
+                <a:cs typeface="Arial" panose="020B0604020202020204" pitchFamily="34" charset="0"/>
+              </a:rPr>
+              <a:t>.</a:t>
+            </a:r>
             <a:endParaRPr lang="en-US">
               <a:latin typeface="Arial" panose="020B0604020202020204" pitchFamily="34" charset="0"/>
               <a:cs typeface="Arial" panose="020B0604020202020204" pitchFamily="34" charset="0"/>
@@ -24063,13 +24112,13 @@
       </p:sp>
       <p:sp>
         <p:nvSpPr>
-          <p:cNvPr id="3" name="Текстовое поле 2"/>
+          <p:cNvPr id="9" name="Текстовое поле 8"/>
           <p:cNvSpPr txBox="1"/>
           <p:nvPr/>
         </p:nvSpPr>
         <p:spPr>
           <a:xfrm>
-            <a:off x="4634230" y="3230245"/>
+            <a:off x="124460" y="3230245"/>
             <a:ext cx="4509770" cy="1757680"/>
           </a:xfrm>
           <a:prstGeom prst="rect">
@@ -24291,14 +24340,14 @@
       </p:sp>
       <p:sp>
         <p:nvSpPr>
-          <p:cNvPr id="5" name="Текстовое поле 4"/>
+          <p:cNvPr id="10" name="Текстовое поле 9"/>
           <p:cNvSpPr txBox="1"/>
           <p:nvPr/>
         </p:nvSpPr>
         <p:spPr>
           <a:xfrm>
-            <a:off x="1232535" y="2478405"/>
-            <a:ext cx="6718300" cy="398780"/>
+            <a:off x="1407160" y="1893570"/>
+            <a:ext cx="6370320" cy="368300"/>
           </a:xfrm>
           <a:prstGeom prst="rect">
             <a:avLst/>
@@ -24311,42 +24360,25 @@
           </a:bodyPr>
           <a:p>
             <a:r>
-              <a:rPr lang="ru-RU" altLang="en-US" sz="2000"/>
-              <a:t>Тема: «Мультиагентное взаимодействие роя роботов»</a:t>
+              <a:rPr lang="ru-RU" altLang="en-US" sz="1800"/>
+              <a:t>на тему: «Мультиагентное взаимодействие роя роботов»</a:t>
             </a:r>
-            <a:endParaRPr lang="ru-RU" altLang="en-US" sz="2000"/>
+            <a:endParaRPr lang="ru-RU" altLang="en-US" sz="1800"/>
           </a:p>
         </p:txBody>
       </p:sp>
-      <p:pic>
-        <p:nvPicPr>
-          <p:cNvPr id="12" name="Изображение 11" descr="enmi1"/>
-          <p:cNvPicPr>
-            <a:picLocks noChangeAspect="1"/>
-          </p:cNvPicPr>
-          <p:nvPr/>
-        </p:nvPicPr>
-        <p:blipFill>
-          <a:blip r:embed="rId2"/>
-          <a:stretch>
-            <a:fillRect/>
-          </a:stretch>
-        </p:blipFill>
-        <p:spPr>
-          <a:xfrm>
-            <a:off x="893445" y="3413125"/>
-            <a:ext cx="2535555" cy="1423670"/>
-          </a:xfrm>
-          <a:prstGeom prst="rect">
-            <a:avLst/>
-          </a:prstGeom>
-        </p:spPr>
-      </p:pic>
     </p:spTree>
   </p:cSld>
   <p:clrMapOvr>
     <a:masterClrMapping/>
   </p:clrMapOvr>
+  <p:timing>
+    <p:tnLst>
+      <p:par>
+        <p:cTn id="1" dur="indefinite" restart="never" nodeType="tmRoot"/>
+      </p:par>
+    </p:tnLst>
+  </p:timing>
 </p:sld>
 </file>
 
@@ -24822,7 +24854,7 @@
       </p:sp>
       <p:pic>
         <p:nvPicPr>
-          <p:cNvPr id="1" name="Изображение 3"/>
+          <p:cNvPr id="7" name="Изображение 3"/>
           <p:cNvPicPr>
             <a:picLocks noChangeAspect="1"/>
           </p:cNvPicPr>
@@ -25729,7 +25761,7 @@
       </p:sp>
       <p:pic>
         <p:nvPicPr>
-          <p:cNvPr id="1" name="Изображение 1"/>
+          <p:cNvPr id="7" name="Изображение 1"/>
           <p:cNvPicPr>
             <a:picLocks noChangeAspect="1"/>
           </p:cNvPicPr>
@@ -26127,20 +26159,50 @@
         </p:nvPicPr>
         <p:blipFill>
           <a:blip r:embed="rId3"/>
+          <a:srcRect t="10996"/>
           <a:stretch>
             <a:fillRect/>
           </a:stretch>
         </p:blipFill>
         <p:spPr>
           <a:xfrm>
-            <a:off x="1871980" y="1205230"/>
-            <a:ext cx="5398135" cy="2696845"/>
+            <a:off x="1871980" y="1604010"/>
+            <a:ext cx="5398135" cy="2400300"/>
           </a:xfrm>
           <a:prstGeom prst="rect">
             <a:avLst/>
           </a:prstGeom>
         </p:spPr>
       </p:pic>
+      <p:sp>
+        <p:nvSpPr>
+          <p:cNvPr id="7" name="Текстовое поле 6"/>
+          <p:cNvSpPr txBox="1"/>
+          <p:nvPr/>
+        </p:nvSpPr>
+        <p:spPr>
+          <a:xfrm>
+            <a:off x="3312160" y="1220470"/>
+            <a:ext cx="2517140" cy="306705"/>
+          </a:xfrm>
+          <a:prstGeom prst="rect">
+            <a:avLst/>
+          </a:prstGeom>
+          <a:noFill/>
+        </p:spPr>
+        <p:txBody>
+          <a:bodyPr wrap="square" rtlCol="0">
+            <a:spAutoFit/>
+          </a:bodyPr>
+          <a:p>
+            <a:r>
+              <a:rPr lang="ru-RU" altLang="en-US"/>
+              <a:t>Библиографический список</a:t>
+            </a:r>
+            <a:endParaRPr lang="ru-RU" altLang="en-US"/>
+          </a:p>
+        </p:txBody>
+      </p:sp>
     </p:spTree>
   </p:cSld>
   <p:clrMapOvr>
@@ -26968,7 +27030,7 @@
       </p:sp>
       <p:pic>
         <p:nvPicPr>
-          <p:cNvPr id="1" name="Изображение 1"/>
+          <p:cNvPr id="9" name="Изображение 1"/>
           <p:cNvPicPr>
             <a:picLocks noChangeAspect="1"/>
           </p:cNvPicPr>
@@ -27008,7 +27070,7 @@
         </p:blipFill>
         <p:spPr>
           <a:xfrm>
-            <a:off x="1120140" y="2995295"/>
+            <a:off x="1120140" y="3197225"/>
             <a:ext cx="1677035" cy="226695"/>
           </a:xfrm>
           <a:prstGeom prst="rect">
@@ -27034,7 +27096,7 @@
         </p:blipFill>
         <p:spPr>
           <a:xfrm>
-            <a:off x="1120140" y="3329940"/>
+            <a:off x="1120140" y="3510915"/>
             <a:ext cx="1667510" cy="213360"/>
           </a:xfrm>
           <a:prstGeom prst="rect">
@@ -27060,7 +27122,7 @@
         </p:blipFill>
         <p:spPr>
           <a:xfrm>
-            <a:off x="1120140" y="3651250"/>
+            <a:off x="1120140" y="3811270"/>
             <a:ext cx="1224280" cy="227330"/>
           </a:xfrm>
           <a:prstGeom prst="rect">
@@ -27080,8 +27142,8 @@
         </p:nvSpPr>
         <p:spPr>
           <a:xfrm>
-            <a:off x="128905" y="2646680"/>
-            <a:ext cx="6052185" cy="306705"/>
+            <a:off x="147320" y="2646680"/>
+            <a:ext cx="6052185" cy="521970"/>
           </a:xfrm>
           <a:prstGeom prst="rect">
             <a:avLst/>
@@ -27123,7 +27185,21 @@
                 <a:latin typeface="Arial" panose="020B0604020202020204" pitchFamily="34" charset="0"/>
                 <a:cs typeface="Arial" panose="020B0604020202020204" pitchFamily="34" charset="0"/>
               </a:rPr>
-              <a:t> кинематики дифференциального привода уравнений:</a:t>
+              <a:t> </a:t>
+            </a:r>
+            <a:r>
+              <a:rPr lang="ru-RU" altLang="en-US">
+                <a:latin typeface="Arial" panose="020B0604020202020204" pitchFamily="34" charset="0"/>
+                <a:cs typeface="Arial" panose="020B0604020202020204" pitchFamily="34" charset="0"/>
+              </a:rPr>
+              <a:t>связи координат и скоростей</a:t>
+            </a:r>
+            <a:r>
+              <a:rPr lang="en-US">
+                <a:latin typeface="Arial" panose="020B0604020202020204" pitchFamily="34" charset="0"/>
+                <a:cs typeface="Arial" panose="020B0604020202020204" pitchFamily="34" charset="0"/>
+              </a:rPr>
+              <a:t> дифференциального привода:</a:t>
             </a:r>
             <a:endParaRPr lang="en-US" altLang="en-US">
               <a:latin typeface="Arial" panose="020B0604020202020204" pitchFamily="34" charset="0"/>
@@ -27387,7 +27463,7 @@
       </p:sp>
       <p:sp>
         <p:nvSpPr>
-          <p:cNvPr id="1" name="Текстовое поле 0"/>
+          <p:cNvPr id="7" name="Текстовое поле 6"/>
           <p:cNvSpPr txBox="1"/>
           <p:nvPr/>
         </p:nvSpPr>
@@ -27971,7 +28047,7 @@
       </p:pic>
       <p:sp>
         <p:nvSpPr>
-          <p:cNvPr id="1" name="Текстовое поле 0"/>
+          <p:cNvPr id="6" name="Текстовое поле 5"/>
           <p:cNvSpPr txBox="1"/>
           <p:nvPr/>
         </p:nvSpPr>
@@ -28325,7 +28401,7 @@
       </p:pic>
       <p:sp>
         <p:nvSpPr>
-          <p:cNvPr id="1" name="Текстовое поле 0"/>
+          <p:cNvPr id="6" name="Текстовое поле 5"/>
           <p:cNvSpPr txBox="1"/>
           <p:nvPr/>
         </p:nvSpPr>
@@ -28940,7 +29016,7 @@
       </p:pic>
       <p:sp>
         <p:nvSpPr>
-          <p:cNvPr id="1" name="Текстовое поле 0"/>
+          <p:cNvPr id="7" name="Текстовое поле 6"/>
           <p:cNvSpPr txBox="1"/>
           <p:nvPr/>
         </p:nvSpPr>

--- a/arhive/ВКР_Разорвин_презентация.pptx
+++ b/arhive/ВКР_Разорвин_презентация.pptx
@@ -12,18 +12,18 @@
     <p:sldId id="278" r:id="rId4"/>
     <p:sldId id="257" r:id="rId5"/>
     <p:sldId id="258" r:id="rId7"/>
-    <p:sldId id="262" r:id="rId8"/>
-    <p:sldId id="264" r:id="rId9"/>
-    <p:sldId id="263" r:id="rId10"/>
-    <p:sldId id="265" r:id="rId11"/>
-    <p:sldId id="270" r:id="rId12"/>
+    <p:sldId id="295" r:id="rId8"/>
+    <p:sldId id="262" r:id="rId9"/>
+    <p:sldId id="264" r:id="rId10"/>
+    <p:sldId id="263" r:id="rId11"/>
+    <p:sldId id="265" r:id="rId12"/>
     <p:sldId id="266" r:id="rId13"/>
-    <p:sldId id="271" r:id="rId14"/>
-    <p:sldId id="267" r:id="rId15"/>
-    <p:sldId id="272" r:id="rId16"/>
-    <p:sldId id="268" r:id="rId17"/>
-    <p:sldId id="273" r:id="rId18"/>
-    <p:sldId id="269" r:id="rId19"/>
+    <p:sldId id="267" r:id="rId14"/>
+    <p:sldId id="272" r:id="rId15"/>
+    <p:sldId id="268" r:id="rId16"/>
+    <p:sldId id="294" r:id="rId17"/>
+    <p:sldId id="293" r:id="rId18"/>
+    <p:sldId id="273" r:id="rId19"/>
   </p:sldIdLst>
   <p:sldSz cx="9144000" cy="5143500"/>
   <p:notesSz cx="6858000" cy="9144000"/>
@@ -24423,274 +24423,6 @@
             <a:noAutofit/>
           </a:bodyPr>
           <a:p>
-            <a:pPr marL="0" marR="0" lvl="0" indent="0" algn="ctr" rtl="0">
-              <a:spcBef>
-                <a:spcPts val="0"/>
-              </a:spcBef>
-              <a:spcAft>
-                <a:spcPts val="0"/>
-              </a:spcAft>
-              <a:buClr>
-                <a:srgbClr val="A5A5A5"/>
-              </a:buClr>
-              <a:buSzPts val="2400"/>
-              <a:buFont typeface="Calibri" panose="020F0502020204030204"/>
-              <a:buNone/>
-            </a:pPr>
-            <a:r>
-              <a:rPr lang="en-US" altLang="ru-RU" sz="1800" b="0" i="0" u="none" strike="noStrike" cap="none">
-                <a:solidFill>
-                  <a:schemeClr val="tx1"/>
-                </a:solidFill>
-                <a:latin typeface="Calibri" panose="020F0502020204030204"/>
-                <a:ea typeface="Calibri" panose="020F0502020204030204"/>
-                <a:cs typeface="Calibri" panose="020F0502020204030204"/>
-                <a:sym typeface="Calibri" panose="020F0502020204030204"/>
-              </a:rPr>
-              <a:t>PSO </a:t>
-            </a:r>
-            <a:r>
-              <a:rPr lang="ru-RU" altLang="ru-RU" sz="1800" b="0" i="0" u="none" strike="noStrike" cap="none">
-                <a:solidFill>
-                  <a:schemeClr val="tx1"/>
-                </a:solidFill>
-                <a:latin typeface="Calibri" panose="020F0502020204030204"/>
-                <a:ea typeface="Calibri" panose="020F0502020204030204"/>
-                <a:cs typeface="Calibri" panose="020F0502020204030204"/>
-                <a:sym typeface="Calibri" panose="020F0502020204030204"/>
-              </a:rPr>
-              <a:t>алгоритм</a:t>
-            </a:r>
-            <a:endParaRPr lang="ru-RU" altLang="ru-RU" sz="1800" b="0" i="0" u="none" strike="noStrike" cap="none">
-              <a:solidFill>
-                <a:schemeClr val="tx1"/>
-              </a:solidFill>
-              <a:latin typeface="Calibri" panose="020F0502020204030204"/>
-              <a:ea typeface="Calibri" panose="020F0502020204030204"/>
-              <a:cs typeface="Calibri" panose="020F0502020204030204"/>
-              <a:sym typeface="Calibri" panose="020F0502020204030204"/>
-            </a:endParaRPr>
-          </a:p>
-        </p:txBody>
-      </p:sp>
-      <p:cxnSp>
-        <p:nvCxnSpPr>
-          <p:cNvPr id="3" name="Google Shape;93;p1"/>
-          <p:cNvCxnSpPr/>
-          <p:nvPr/>
-        </p:nvCxnSpPr>
-        <p:spPr>
-          <a:xfrm>
-            <a:off x="3175" y="1058863"/>
-            <a:ext cx="9177300" cy="0"/>
-          </a:xfrm>
-          <a:prstGeom prst="straightConnector1">
-            <a:avLst/>
-          </a:prstGeom>
-          <a:noFill/>
-          <a:ln w="38100" cap="flat" cmpd="sng">
-            <a:solidFill>
-              <a:schemeClr val="dk2"/>
-            </a:solidFill>
-            <a:prstDash val="solid"/>
-            <a:round/>
-            <a:headEnd type="none" w="sm" len="sm"/>
-            <a:tailEnd type="none" w="sm" len="sm"/>
-          </a:ln>
-        </p:spPr>
-      </p:cxnSp>
-      <p:cxnSp>
-        <p:nvCxnSpPr>
-          <p:cNvPr id="4" name="Google Shape;94;p1"/>
-          <p:cNvCxnSpPr/>
-          <p:nvPr/>
-        </p:nvCxnSpPr>
-        <p:spPr>
-          <a:xfrm>
-            <a:off x="3175" y="1131888"/>
-            <a:ext cx="2697300" cy="0"/>
-          </a:xfrm>
-          <a:prstGeom prst="straightConnector1">
-            <a:avLst/>
-          </a:prstGeom>
-          <a:noFill/>
-          <a:ln w="38100" cap="flat" cmpd="sng">
-            <a:solidFill>
-              <a:srgbClr val="C00000"/>
-            </a:solidFill>
-            <a:prstDash val="solid"/>
-            <a:round/>
-            <a:headEnd type="none" w="sm" len="sm"/>
-            <a:tailEnd type="none" w="sm" len="sm"/>
-          </a:ln>
-        </p:spPr>
-      </p:cxnSp>
-      <p:pic>
-        <p:nvPicPr>
-          <p:cNvPr id="5" name="Рисунок 14"/>
-          <p:cNvPicPr>
-            <a:picLocks noChangeAspect="1" noChangeArrowheads="1"/>
-          </p:cNvPicPr>
-          <p:nvPr/>
-        </p:nvPicPr>
-        <p:blipFill>
-          <a:blip r:embed="rId1" cstate="print">
-            <a:extLst>
-              <a:ext uri="{28A0092B-C50C-407E-A947-70E740481C1C}">
-                <a14:useLocalDpi xmlns:a14="http://schemas.microsoft.com/office/drawing/2010/main" val="0"/>
-              </a:ext>
-            </a:extLst>
-          </a:blip>
-          <a:srcRect/>
-          <a:stretch>
-            <a:fillRect/>
-          </a:stretch>
-        </p:blipFill>
-        <p:spPr>
-          <a:xfrm>
-            <a:off x="116205" y="100965"/>
-            <a:ext cx="891540" cy="844550"/>
-          </a:xfrm>
-          <a:prstGeom prst="rect">
-            <a:avLst/>
-          </a:prstGeom>
-          <a:noFill/>
-          <a:ln>
-            <a:noFill/>
-          </a:ln>
-        </p:spPr>
-      </p:pic>
-      <p:sp>
-        <p:nvSpPr>
-          <p:cNvPr id="10" name="Замещающий номер слайда 9"/>
-          <p:cNvSpPr>
-            <a:spLocks noGrp="1"/>
-          </p:cNvSpPr>
-          <p:nvPr>
-            <p:ph type="sldNum" idx="12"/>
-          </p:nvPr>
-        </p:nvSpPr>
-        <p:spPr/>
-        <p:txBody>
-          <a:bodyPr/>
-          <a:p>
-            <a:pPr marL="0" lvl="0" indent="0" algn="r" rtl="0">
-              <a:spcBef>
-                <a:spcPts val="0"/>
-              </a:spcBef>
-              <a:spcAft>
-                <a:spcPts val="0"/>
-              </a:spcAft>
-              <a:buNone/>
-            </a:pPr>
-            <a:fld id="{00000000-1234-1234-1234-123412341234}" type="slidenum">
-              <a:rPr lang="ru-RU"/>
-            </a:fld>
-            <a:endParaRPr lang="ru-RU"/>
-          </a:p>
-        </p:txBody>
-      </p:sp>
-      <p:pic>
-        <p:nvPicPr>
-          <p:cNvPr id="36" name="Изображение 13"/>
-          <p:cNvPicPr>
-            <a:picLocks noChangeAspect="1"/>
-          </p:cNvPicPr>
-          <p:nvPr/>
-        </p:nvPicPr>
-        <p:blipFill>
-          <a:blip r:embed="rId2"/>
-          <a:stretch>
-            <a:fillRect/>
-          </a:stretch>
-        </p:blipFill>
-        <p:spPr>
-          <a:xfrm>
-            <a:off x="116205" y="1875790"/>
-            <a:ext cx="4364355" cy="2348865"/>
-          </a:xfrm>
-          <a:prstGeom prst="rect">
-            <a:avLst/>
-          </a:prstGeom>
-          <a:noFill/>
-          <a:ln>
-            <a:noFill/>
-          </a:ln>
-        </p:spPr>
-      </p:pic>
-      <p:pic>
-        <p:nvPicPr>
-          <p:cNvPr id="34" name="Изображение 34" descr="algoritm_2"/>
-          <p:cNvPicPr>
-            <a:picLocks noChangeAspect="1"/>
-          </p:cNvPicPr>
-          <p:nvPr/>
-        </p:nvPicPr>
-        <p:blipFill>
-          <a:blip r:embed="rId3"/>
-          <a:stretch>
-            <a:fillRect/>
-          </a:stretch>
-        </p:blipFill>
-        <p:spPr>
-          <a:xfrm>
-            <a:off x="4558030" y="1174750"/>
-            <a:ext cx="3838575" cy="3750945"/>
-          </a:xfrm>
-          <a:prstGeom prst="rect">
-            <a:avLst/>
-          </a:prstGeom>
-        </p:spPr>
-      </p:pic>
-    </p:spTree>
-  </p:cSld>
-  <p:clrMapOvr>
-    <a:masterClrMapping/>
-  </p:clrMapOvr>
-</p:sld>
-</file>
-
-<file path=ppt/slides/slide11.xml><?xml version="1.0" encoding="utf-8"?>
-<p:sld xmlns:a="http://schemas.openxmlformats.org/drawingml/2006/main" xmlns:r="http://schemas.openxmlformats.org/officeDocument/2006/relationships" xmlns:p="http://schemas.openxmlformats.org/presentationml/2006/main">
-  <p:cSld>
-    <p:spTree>
-      <p:nvGrpSpPr>
-        <p:cNvPr id="111" name="Shape 111"/>
-        <p:cNvGrpSpPr/>
-        <p:nvPr/>
-      </p:nvGrpSpPr>
-      <p:grpSpPr>
-        <a:xfrm>
-          <a:off x="0" y="0"/>
-          <a:ext cx="0" cy="0"/>
-          <a:chOff x="0" y="0"/>
-          <a:chExt cx="0" cy="0"/>
-        </a:xfrm>
-      </p:grpSpPr>
-      <p:sp>
-        <p:nvSpPr>
-          <p:cNvPr id="2" name="Google Shape;89;p1"/>
-          <p:cNvSpPr txBox="1"/>
-          <p:nvPr/>
-        </p:nvSpPr>
-        <p:spPr>
-          <a:xfrm>
-            <a:off x="1871980" y="211455"/>
-            <a:ext cx="5399405" cy="623570"/>
-          </a:xfrm>
-          <a:prstGeom prst="rect">
-            <a:avLst/>
-          </a:prstGeom>
-          <a:noFill/>
-          <a:ln>
-            <a:noFill/>
-          </a:ln>
-        </p:spPr>
-        <p:txBody>
-          <a:bodyPr spcFirstLastPara="1" wrap="square" lIns="91425" tIns="45700" rIns="91425" bIns="45700" anchor="ctr" anchorCtr="0">
-            <a:noAutofit/>
-          </a:bodyPr>
-          <a:p>
             <a:pPr marL="0" indent="0" algn="ctr">
               <a:buClr>
                 <a:srgbClr val="A5A5A5"/>
@@ -24944,7 +24676,7 @@
 </p:sld>
 </file>
 
-<file path=ppt/slides/slide12.xml><?xml version="1.0" encoding="utf-8"?>
+<file path=ppt/slides/slide11.xml><?xml version="1.0" encoding="utf-8"?>
 <p:sld xmlns:a="http://schemas.openxmlformats.org/drawingml/2006/main" xmlns:r="http://schemas.openxmlformats.org/officeDocument/2006/relationships" xmlns:p="http://schemas.openxmlformats.org/presentationml/2006/main">
   <p:cSld>
     <p:spTree>
@@ -24985,13 +24717,7 @@
             <a:noAutofit/>
           </a:bodyPr>
           <a:p>
-            <a:pPr marL="0" marR="0" lvl="0" indent="0" algn="ctr" rtl="0">
-              <a:spcBef>
-                <a:spcPts val="0"/>
-              </a:spcBef>
-              <a:spcAft>
-                <a:spcPts val="0"/>
-              </a:spcAft>
+            <a:pPr marL="0" indent="0" algn="ctr">
               <a:buClr>
                 <a:srgbClr val="A5A5A5"/>
               </a:buClr>
@@ -25000,7 +24726,7 @@
               <a:buNone/>
             </a:pPr>
             <a:r>
-              <a:rPr lang="en-US" altLang="ru-RU" sz="1800" b="0" i="0" u="none" strike="noStrike" cap="none">
+              <a:rPr lang="ru-RU" sz="1800">
                 <a:solidFill>
                   <a:schemeClr val="tx1"/>
                 </a:solidFill>
@@ -25009,19 +24735,7 @@
                 <a:cs typeface="Calibri" panose="020F0502020204030204"/>
                 <a:sym typeface="Calibri" panose="020F0502020204030204"/>
               </a:rPr>
-              <a:t>ACO </a:t>
-            </a:r>
-            <a:r>
-              <a:rPr lang="ru-RU" altLang="ru-RU" sz="1800" b="0" i="0" u="none" strike="noStrike" cap="none">
-                <a:solidFill>
-                  <a:schemeClr val="tx1"/>
-                </a:solidFill>
-                <a:latin typeface="Calibri" panose="020F0502020204030204"/>
-                <a:ea typeface="Calibri" panose="020F0502020204030204"/>
-                <a:cs typeface="Calibri" panose="020F0502020204030204"/>
-                <a:sym typeface="Calibri" panose="020F0502020204030204"/>
-              </a:rPr>
-              <a:t>алгоритм</a:t>
+              <a:t>Результаты моделирования</a:t>
             </a:r>
             <a:endParaRPr lang="ru-RU" altLang="ru-RU" sz="1800" b="0" i="0" u="none" strike="noStrike" cap="none">
               <a:solidFill>
@@ -25154,7 +24868,413 @@
       </p:sp>
       <p:pic>
         <p:nvPicPr>
-          <p:cNvPr id="39" name="Изображение 39" descr="algoritm_3"/>
+          <p:cNvPr id="1" name="Изображение 0"/>
+          <p:cNvPicPr>
+            <a:picLocks noChangeAspect="1"/>
+          </p:cNvPicPr>
+          <p:nvPr>
+            <p:custDataLst>
+              <p:tags r:id="rId2"/>
+            </p:custDataLst>
+          </p:nvPr>
+        </p:nvPicPr>
+        <p:blipFill>
+          <a:blip r:embed="rId3"/>
+          <a:stretch>
+            <a:fillRect/>
+          </a:stretch>
+        </p:blipFill>
+        <p:spPr>
+          <a:xfrm>
+            <a:off x="116205" y="2536190"/>
+            <a:ext cx="2675255" cy="2607310"/>
+          </a:xfrm>
+          <a:prstGeom prst="rect">
+            <a:avLst/>
+          </a:prstGeom>
+        </p:spPr>
+      </p:pic>
+      <p:pic>
+        <p:nvPicPr>
+          <p:cNvPr id="6" name="Изображение 5"/>
+          <p:cNvPicPr>
+            <a:picLocks noChangeAspect="1"/>
+          </p:cNvPicPr>
+          <p:nvPr>
+            <p:custDataLst>
+              <p:tags r:id="rId4"/>
+            </p:custDataLst>
+          </p:nvPr>
+        </p:nvPicPr>
+        <p:blipFill>
+          <a:blip r:embed="rId5"/>
+          <a:stretch>
+            <a:fillRect/>
+          </a:stretch>
+        </p:blipFill>
+        <p:spPr>
+          <a:xfrm>
+            <a:off x="2943225" y="2549525"/>
+            <a:ext cx="2723515" cy="2593975"/>
+          </a:xfrm>
+          <a:prstGeom prst="rect">
+            <a:avLst/>
+          </a:prstGeom>
+        </p:spPr>
+      </p:pic>
+      <p:pic>
+        <p:nvPicPr>
+          <p:cNvPr id="7" name="Изображение 6"/>
+          <p:cNvPicPr>
+            <a:picLocks noChangeAspect="1"/>
+          </p:cNvPicPr>
+          <p:nvPr>
+            <p:custDataLst>
+              <p:tags r:id="rId6"/>
+            </p:custDataLst>
+          </p:nvPr>
+        </p:nvPicPr>
+        <p:blipFill>
+          <a:blip r:embed="rId7"/>
+          <a:stretch>
+            <a:fillRect/>
+          </a:stretch>
+        </p:blipFill>
+        <p:spPr>
+          <a:xfrm>
+            <a:off x="5666740" y="2565400"/>
+            <a:ext cx="2705735" cy="2578100"/>
+          </a:xfrm>
+          <a:prstGeom prst="rect">
+            <a:avLst/>
+          </a:prstGeom>
+        </p:spPr>
+      </p:pic>
+      <p:sp>
+        <p:nvSpPr>
+          <p:cNvPr id="8" name="Текстовое поле 7"/>
+          <p:cNvSpPr txBox="1"/>
+          <p:nvPr/>
+        </p:nvSpPr>
+        <p:spPr>
+          <a:xfrm>
+            <a:off x="1129030" y="2265045"/>
+            <a:ext cx="639445" cy="306705"/>
+          </a:xfrm>
+          <a:prstGeom prst="rect">
+            <a:avLst/>
+          </a:prstGeom>
+          <a:noFill/>
+        </p:spPr>
+        <p:txBody>
+          <a:bodyPr wrap="square" rtlCol="0">
+            <a:spAutoFit/>
+          </a:bodyPr>
+          <a:p>
+            <a:r>
+              <a:rPr lang="en-US" altLang="ru-RU"/>
+              <a:t>COM</a:t>
+            </a:r>
+            <a:endParaRPr lang="en-US" altLang="ru-RU"/>
+          </a:p>
+        </p:txBody>
+      </p:sp>
+      <p:sp>
+        <p:nvSpPr>
+          <p:cNvPr id="9" name="Текстовое поле 8"/>
+          <p:cNvSpPr txBox="1"/>
+          <p:nvPr>
+            <p:custDataLst>
+              <p:tags r:id="rId8"/>
+            </p:custDataLst>
+          </p:nvPr>
+        </p:nvSpPr>
+        <p:spPr>
+          <a:xfrm>
+            <a:off x="3985260" y="2242820"/>
+            <a:ext cx="639445" cy="306705"/>
+          </a:xfrm>
+          <a:prstGeom prst="rect">
+            <a:avLst/>
+          </a:prstGeom>
+          <a:noFill/>
+        </p:spPr>
+        <p:txBody>
+          <a:bodyPr wrap="square" rtlCol="0">
+            <a:spAutoFit/>
+          </a:bodyPr>
+          <a:p>
+            <a:r>
+              <a:rPr lang="en-US" altLang="ru-RU"/>
+              <a:t>PSO</a:t>
+            </a:r>
+            <a:endParaRPr lang="en-US" altLang="ru-RU"/>
+          </a:p>
+        </p:txBody>
+      </p:sp>
+      <p:sp>
+        <p:nvSpPr>
+          <p:cNvPr id="11" name="Текстовое поле 10"/>
+          <p:cNvSpPr txBox="1"/>
+          <p:nvPr>
+            <p:custDataLst>
+              <p:tags r:id="rId9"/>
+            </p:custDataLst>
+          </p:nvPr>
+        </p:nvSpPr>
+        <p:spPr>
+          <a:xfrm>
+            <a:off x="6697345" y="2265045"/>
+            <a:ext cx="639445" cy="306705"/>
+          </a:xfrm>
+          <a:prstGeom prst="rect">
+            <a:avLst/>
+          </a:prstGeom>
+          <a:noFill/>
+        </p:spPr>
+        <p:txBody>
+          <a:bodyPr wrap="square" rtlCol="0">
+            <a:spAutoFit/>
+          </a:bodyPr>
+          <a:p>
+            <a:r>
+              <a:rPr lang="en-US" altLang="ru-RU"/>
+              <a:t>ACO</a:t>
+            </a:r>
+            <a:endParaRPr lang="en-US" altLang="ru-RU"/>
+          </a:p>
+        </p:txBody>
+      </p:sp>
+      <p:sp>
+        <p:nvSpPr>
+          <p:cNvPr id="12" name="Текстовое поле 11"/>
+          <p:cNvSpPr txBox="1"/>
+          <p:nvPr/>
+        </p:nvSpPr>
+        <p:spPr>
+          <a:xfrm>
+            <a:off x="1590675" y="1534160"/>
+            <a:ext cx="6002020" cy="306705"/>
+          </a:xfrm>
+          <a:prstGeom prst="rect">
+            <a:avLst/>
+          </a:prstGeom>
+          <a:noFill/>
+        </p:spPr>
+        <p:txBody>
+          <a:bodyPr wrap="square" rtlCol="0">
+            <a:spAutoFit/>
+          </a:bodyPr>
+          <a:p>
+            <a:r>
+              <a:rPr lang="ru-RU" altLang="ru-RU"/>
+              <a:t>Траектории роя роботов в программе моделирования для 16 агентов.</a:t>
+            </a:r>
+            <a:endParaRPr lang="ru-RU" altLang="ru-RU"/>
+          </a:p>
+        </p:txBody>
+      </p:sp>
+    </p:spTree>
+  </p:cSld>
+  <p:clrMapOvr>
+    <a:masterClrMapping/>
+  </p:clrMapOvr>
+</p:sld>
+</file>
+
+<file path=ppt/slides/slide12.xml><?xml version="1.0" encoding="utf-8"?>
+<p:sld xmlns:a="http://schemas.openxmlformats.org/drawingml/2006/main" xmlns:r="http://schemas.openxmlformats.org/officeDocument/2006/relationships" xmlns:p="http://schemas.openxmlformats.org/presentationml/2006/main">
+  <p:cSld>
+    <p:spTree>
+      <p:nvGrpSpPr>
+        <p:cNvPr id="111" name="Shape 111"/>
+        <p:cNvGrpSpPr/>
+        <p:nvPr/>
+      </p:nvGrpSpPr>
+      <p:grpSpPr>
+        <a:xfrm>
+          <a:off x="0" y="0"/>
+          <a:ext cx="0" cy="0"/>
+          <a:chOff x="0" y="0"/>
+          <a:chExt cx="0" cy="0"/>
+        </a:xfrm>
+      </p:grpSpPr>
+      <p:sp>
+        <p:nvSpPr>
+          <p:cNvPr id="2" name="Google Shape;89;p1"/>
+          <p:cNvSpPr txBox="1"/>
+          <p:nvPr/>
+        </p:nvSpPr>
+        <p:spPr>
+          <a:xfrm>
+            <a:off x="1871980" y="211455"/>
+            <a:ext cx="5399405" cy="623570"/>
+          </a:xfrm>
+          <a:prstGeom prst="rect">
+            <a:avLst/>
+          </a:prstGeom>
+          <a:noFill/>
+          <a:ln>
+            <a:noFill/>
+          </a:ln>
+        </p:spPr>
+        <p:txBody>
+          <a:bodyPr spcFirstLastPara="1" wrap="square" lIns="91425" tIns="45700" rIns="91425" bIns="45700" anchor="ctr" anchorCtr="0">
+            <a:noAutofit/>
+          </a:bodyPr>
+          <a:p>
+            <a:pPr marL="0" indent="0" algn="ctr">
+              <a:buClr>
+                <a:srgbClr val="A5A5A5"/>
+              </a:buClr>
+              <a:buSzPts val="2400"/>
+              <a:buFont typeface="Calibri" panose="020F0502020204030204"/>
+              <a:buNone/>
+            </a:pPr>
+            <a:r>
+              <a:rPr lang="ru-RU" sz="1800" cap="none">
+                <a:solidFill>
+                  <a:schemeClr val="tx1"/>
+                </a:solidFill>
+                <a:latin typeface="Calibri" panose="020F0502020204030204"/>
+                <a:ea typeface="Calibri" panose="020F0502020204030204"/>
+                <a:cs typeface="Calibri" panose="020F0502020204030204"/>
+                <a:sym typeface="Calibri" panose="020F0502020204030204"/>
+              </a:rPr>
+              <a:t> Результаты моделирования</a:t>
+            </a:r>
+            <a:endParaRPr lang="ru-RU" sz="1800" cap="none">
+              <a:solidFill>
+                <a:schemeClr val="tx1"/>
+              </a:solidFill>
+              <a:latin typeface="Calibri" panose="020F0502020204030204"/>
+              <a:ea typeface="Calibri" panose="020F0502020204030204"/>
+              <a:cs typeface="Calibri" panose="020F0502020204030204"/>
+              <a:sym typeface="Calibri" panose="020F0502020204030204"/>
+            </a:endParaRPr>
+          </a:p>
+        </p:txBody>
+      </p:sp>
+      <p:cxnSp>
+        <p:nvCxnSpPr>
+          <p:cNvPr id="3" name="Google Shape;93;p1"/>
+          <p:cNvCxnSpPr/>
+          <p:nvPr/>
+        </p:nvCxnSpPr>
+        <p:spPr>
+          <a:xfrm>
+            <a:off x="3175" y="1058863"/>
+            <a:ext cx="9177300" cy="0"/>
+          </a:xfrm>
+          <a:prstGeom prst="straightConnector1">
+            <a:avLst/>
+          </a:prstGeom>
+          <a:noFill/>
+          <a:ln w="38100" cap="flat" cmpd="sng">
+            <a:solidFill>
+              <a:schemeClr val="dk2"/>
+            </a:solidFill>
+            <a:prstDash val="solid"/>
+            <a:round/>
+            <a:headEnd type="none" w="sm" len="sm"/>
+            <a:tailEnd type="none" w="sm" len="sm"/>
+          </a:ln>
+        </p:spPr>
+      </p:cxnSp>
+      <p:cxnSp>
+        <p:nvCxnSpPr>
+          <p:cNvPr id="4" name="Google Shape;94;p1"/>
+          <p:cNvCxnSpPr/>
+          <p:nvPr/>
+        </p:nvCxnSpPr>
+        <p:spPr>
+          <a:xfrm>
+            <a:off x="3175" y="1131888"/>
+            <a:ext cx="2697300" cy="0"/>
+          </a:xfrm>
+          <a:prstGeom prst="straightConnector1">
+            <a:avLst/>
+          </a:prstGeom>
+          <a:noFill/>
+          <a:ln w="38100" cap="flat" cmpd="sng">
+            <a:solidFill>
+              <a:srgbClr val="C00000"/>
+            </a:solidFill>
+            <a:prstDash val="solid"/>
+            <a:round/>
+            <a:headEnd type="none" w="sm" len="sm"/>
+            <a:tailEnd type="none" w="sm" len="sm"/>
+          </a:ln>
+        </p:spPr>
+      </p:cxnSp>
+      <p:pic>
+        <p:nvPicPr>
+          <p:cNvPr id="5" name="Рисунок 14"/>
+          <p:cNvPicPr>
+            <a:picLocks noChangeAspect="1" noChangeArrowheads="1"/>
+          </p:cNvPicPr>
+          <p:nvPr/>
+        </p:nvPicPr>
+        <p:blipFill>
+          <a:blip r:embed="rId1" cstate="print">
+            <a:extLst>
+              <a:ext uri="{28A0092B-C50C-407E-A947-70E740481C1C}">
+                <a14:useLocalDpi xmlns:a14="http://schemas.microsoft.com/office/drawing/2010/main" val="0"/>
+              </a:ext>
+            </a:extLst>
+          </a:blip>
+          <a:srcRect/>
+          <a:stretch>
+            <a:fillRect/>
+          </a:stretch>
+        </p:blipFill>
+        <p:spPr>
+          <a:xfrm>
+            <a:off x="116205" y="100965"/>
+            <a:ext cx="891540" cy="844550"/>
+          </a:xfrm>
+          <a:prstGeom prst="rect">
+            <a:avLst/>
+          </a:prstGeom>
+          <a:noFill/>
+          <a:ln>
+            <a:noFill/>
+          </a:ln>
+        </p:spPr>
+      </p:pic>
+      <p:sp>
+        <p:nvSpPr>
+          <p:cNvPr id="10" name="Замещающий номер слайда 9"/>
+          <p:cNvSpPr>
+            <a:spLocks noGrp="1"/>
+          </p:cNvSpPr>
+          <p:nvPr>
+            <p:ph type="sldNum" idx="12"/>
+          </p:nvPr>
+        </p:nvSpPr>
+        <p:spPr/>
+        <p:txBody>
+          <a:bodyPr/>
+          <a:p>
+            <a:pPr marL="0" lvl="0" indent="0" algn="r" rtl="0">
+              <a:spcBef>
+                <a:spcPts val="0"/>
+              </a:spcBef>
+              <a:spcAft>
+                <a:spcPts val="0"/>
+              </a:spcAft>
+              <a:buNone/>
+            </a:pPr>
+            <a:fld id="{00000000-1234-1234-1234-123412341234}" type="slidenum">
+              <a:rPr lang="ru-RU"/>
+            </a:fld>
+            <a:endParaRPr lang="ru-RU"/>
+          </a:p>
+        </p:txBody>
+      </p:sp>
+      <p:pic>
+        <p:nvPicPr>
+          <p:cNvPr id="7" name="Изображение 6"/>
           <p:cNvPicPr>
             <a:picLocks noChangeAspect="1"/>
           </p:cNvPicPr>
@@ -25168,32 +25288,65 @@
         </p:blipFill>
         <p:spPr>
           <a:xfrm>
-            <a:off x="4464685" y="1131570"/>
-            <a:ext cx="3933825" cy="3881755"/>
+            <a:off x="306070" y="2572385"/>
+            <a:ext cx="3919855" cy="1273175"/>
           </a:xfrm>
           <a:prstGeom prst="rect">
             <a:avLst/>
           </a:prstGeom>
         </p:spPr>
       </p:pic>
+      <p:sp>
+        <p:nvSpPr>
+          <p:cNvPr id="8" name="Текстовое поле 7"/>
+          <p:cNvSpPr txBox="1"/>
+          <p:nvPr/>
+        </p:nvSpPr>
+        <p:spPr>
+          <a:xfrm>
+            <a:off x="306070" y="2168525"/>
+            <a:ext cx="3048000" cy="306705"/>
+          </a:xfrm>
+          <a:prstGeom prst="rect">
+            <a:avLst/>
+          </a:prstGeom>
+          <a:noFill/>
+        </p:spPr>
+        <p:txBody>
+          <a:bodyPr wrap="square" rtlCol="0">
+            <a:spAutoFit/>
+          </a:bodyPr>
+          <a:p>
+            <a:r>
+              <a:rPr lang="ru-RU" altLang="en-US"/>
+              <a:t>Моделирование:</a:t>
+            </a:r>
+            <a:endParaRPr lang="ru-RU" altLang="en-US"/>
+          </a:p>
+        </p:txBody>
+      </p:sp>
       <p:pic>
         <p:nvPicPr>
-          <p:cNvPr id="38" name="Изображение 15"/>
+          <p:cNvPr id="25" name="Изображение 1"/>
           <p:cNvPicPr>
             <a:picLocks noChangeAspect="1"/>
           </p:cNvPicPr>
-          <p:nvPr/>
+          <p:nvPr>
+            <p:custDataLst>
+              <p:tags r:id="rId3"/>
+            </p:custDataLst>
+          </p:nvPr>
         </p:nvPicPr>
         <p:blipFill>
-          <a:blip r:embed="rId3"/>
+          <a:blip r:embed="rId4"/>
           <a:stretch>
             <a:fillRect/>
           </a:stretch>
         </p:blipFill>
         <p:spPr>
           <a:xfrm>
-            <a:off x="126365" y="1887220"/>
-            <a:ext cx="4338320" cy="2369820"/>
+            <a:off x="4275138" y="1901825"/>
+            <a:ext cx="4617085" cy="2613660"/>
           </a:xfrm>
           <a:prstGeom prst="rect">
             <a:avLst/>
@@ -25213,6 +25366,354 @@
 </file>
 
 <file path=ppt/slides/slide13.xml><?xml version="1.0" encoding="utf-8"?>
+<p:sld xmlns:a="http://schemas.openxmlformats.org/drawingml/2006/main" xmlns:r="http://schemas.openxmlformats.org/officeDocument/2006/relationships" xmlns:p="http://schemas.openxmlformats.org/presentationml/2006/main">
+  <p:cSld>
+    <p:spTree>
+      <p:nvGrpSpPr>
+        <p:cNvPr id="111" name="Shape 111"/>
+        <p:cNvGrpSpPr/>
+        <p:nvPr/>
+      </p:nvGrpSpPr>
+      <p:grpSpPr>
+        <a:xfrm>
+          <a:off x="0" y="0"/>
+          <a:ext cx="0" cy="0"/>
+          <a:chOff x="0" y="0"/>
+          <a:chExt cx="0" cy="0"/>
+        </a:xfrm>
+      </p:grpSpPr>
+      <p:sp>
+        <p:nvSpPr>
+          <p:cNvPr id="2" name="Google Shape;89;p1"/>
+          <p:cNvSpPr txBox="1"/>
+          <p:nvPr/>
+        </p:nvSpPr>
+        <p:spPr>
+          <a:xfrm>
+            <a:off x="1871980" y="211455"/>
+            <a:ext cx="5399405" cy="623570"/>
+          </a:xfrm>
+          <a:prstGeom prst="rect">
+            <a:avLst/>
+          </a:prstGeom>
+          <a:noFill/>
+          <a:ln>
+            <a:noFill/>
+          </a:ln>
+        </p:spPr>
+        <p:txBody>
+          <a:bodyPr spcFirstLastPara="1" wrap="square" lIns="91425" tIns="45700" rIns="91425" bIns="45700" anchor="ctr" anchorCtr="0">
+            <a:noAutofit/>
+          </a:bodyPr>
+          <a:p>
+            <a:pPr marL="0" indent="0" algn="ctr">
+              <a:buClr>
+                <a:srgbClr val="A5A5A5"/>
+              </a:buClr>
+              <a:buSzPts val="2400"/>
+              <a:buFont typeface="Calibri" panose="020F0502020204030204"/>
+              <a:buNone/>
+            </a:pPr>
+            <a:r>
+              <a:rPr lang="ru-RU" sz="1800" cap="none">
+                <a:solidFill>
+                  <a:schemeClr val="tx1"/>
+                </a:solidFill>
+                <a:latin typeface="Calibri" panose="020F0502020204030204"/>
+                <a:ea typeface="Calibri" panose="020F0502020204030204"/>
+                <a:cs typeface="Calibri" panose="020F0502020204030204"/>
+                <a:sym typeface="Calibri" panose="020F0502020204030204"/>
+              </a:rPr>
+              <a:t> Натурный эксперимент</a:t>
+            </a:r>
+            <a:endParaRPr lang="ru-RU" sz="1800" cap="none">
+              <a:solidFill>
+                <a:schemeClr val="tx1"/>
+              </a:solidFill>
+              <a:latin typeface="Calibri" panose="020F0502020204030204"/>
+              <a:ea typeface="Calibri" panose="020F0502020204030204"/>
+              <a:cs typeface="Calibri" panose="020F0502020204030204"/>
+              <a:sym typeface="Calibri" panose="020F0502020204030204"/>
+            </a:endParaRPr>
+          </a:p>
+        </p:txBody>
+      </p:sp>
+      <p:cxnSp>
+        <p:nvCxnSpPr>
+          <p:cNvPr id="3" name="Google Shape;93;p1"/>
+          <p:cNvCxnSpPr/>
+          <p:nvPr/>
+        </p:nvCxnSpPr>
+        <p:spPr>
+          <a:xfrm>
+            <a:off x="3175" y="1058863"/>
+            <a:ext cx="9177300" cy="0"/>
+          </a:xfrm>
+          <a:prstGeom prst="straightConnector1">
+            <a:avLst/>
+          </a:prstGeom>
+          <a:noFill/>
+          <a:ln w="38100" cap="flat" cmpd="sng">
+            <a:solidFill>
+              <a:schemeClr val="dk2"/>
+            </a:solidFill>
+            <a:prstDash val="solid"/>
+            <a:round/>
+            <a:headEnd type="none" w="sm" len="sm"/>
+            <a:tailEnd type="none" w="sm" len="sm"/>
+          </a:ln>
+        </p:spPr>
+      </p:cxnSp>
+      <p:cxnSp>
+        <p:nvCxnSpPr>
+          <p:cNvPr id="4" name="Google Shape;94;p1"/>
+          <p:cNvCxnSpPr/>
+          <p:nvPr/>
+        </p:nvCxnSpPr>
+        <p:spPr>
+          <a:xfrm>
+            <a:off x="3175" y="1131888"/>
+            <a:ext cx="2697300" cy="0"/>
+          </a:xfrm>
+          <a:prstGeom prst="straightConnector1">
+            <a:avLst/>
+          </a:prstGeom>
+          <a:noFill/>
+          <a:ln w="38100" cap="flat" cmpd="sng">
+            <a:solidFill>
+              <a:srgbClr val="C00000"/>
+            </a:solidFill>
+            <a:prstDash val="solid"/>
+            <a:round/>
+            <a:headEnd type="none" w="sm" len="sm"/>
+            <a:tailEnd type="none" w="sm" len="sm"/>
+          </a:ln>
+        </p:spPr>
+      </p:cxnSp>
+      <p:pic>
+        <p:nvPicPr>
+          <p:cNvPr id="5" name="Рисунок 14"/>
+          <p:cNvPicPr>
+            <a:picLocks noChangeAspect="1" noChangeArrowheads="1"/>
+          </p:cNvPicPr>
+          <p:nvPr/>
+        </p:nvPicPr>
+        <p:blipFill>
+          <a:blip r:embed="rId1" cstate="print">
+            <a:extLst>
+              <a:ext uri="{28A0092B-C50C-407E-A947-70E740481C1C}">
+                <a14:useLocalDpi xmlns:a14="http://schemas.microsoft.com/office/drawing/2010/main" val="0"/>
+              </a:ext>
+            </a:extLst>
+          </a:blip>
+          <a:srcRect/>
+          <a:stretch>
+            <a:fillRect/>
+          </a:stretch>
+        </p:blipFill>
+        <p:spPr>
+          <a:xfrm>
+            <a:off x="116205" y="100965"/>
+            <a:ext cx="891540" cy="844550"/>
+          </a:xfrm>
+          <a:prstGeom prst="rect">
+            <a:avLst/>
+          </a:prstGeom>
+          <a:noFill/>
+          <a:ln>
+            <a:noFill/>
+          </a:ln>
+        </p:spPr>
+      </p:pic>
+      <p:sp>
+        <p:nvSpPr>
+          <p:cNvPr id="10" name="Замещающий номер слайда 9"/>
+          <p:cNvSpPr>
+            <a:spLocks noGrp="1"/>
+          </p:cNvSpPr>
+          <p:nvPr>
+            <p:ph type="sldNum" idx="12"/>
+          </p:nvPr>
+        </p:nvSpPr>
+        <p:spPr/>
+        <p:txBody>
+          <a:bodyPr/>
+          <a:p>
+            <a:pPr marL="0" lvl="0" indent="0" algn="r" rtl="0">
+              <a:spcBef>
+                <a:spcPts val="0"/>
+              </a:spcBef>
+              <a:spcAft>
+                <a:spcPts val="0"/>
+              </a:spcAft>
+              <a:buNone/>
+            </a:pPr>
+            <a:fld id="{00000000-1234-1234-1234-123412341234}" type="slidenum">
+              <a:rPr lang="ru-RU"/>
+            </a:fld>
+            <a:endParaRPr lang="ru-RU"/>
+          </a:p>
+        </p:txBody>
+      </p:sp>
+      <p:sp>
+        <p:nvSpPr>
+          <p:cNvPr id="6" name="Текстовое поле 5"/>
+          <p:cNvSpPr txBox="1"/>
+          <p:nvPr/>
+        </p:nvSpPr>
+        <p:spPr>
+          <a:xfrm>
+            <a:off x="0" y="1814195"/>
+            <a:ext cx="4053840" cy="2676525"/>
+          </a:xfrm>
+          <a:prstGeom prst="rect">
+            <a:avLst/>
+          </a:prstGeom>
+          <a:noFill/>
+        </p:spPr>
+        <p:txBody>
+          <a:bodyPr wrap="square" rtlCol="0">
+            <a:spAutoFit/>
+          </a:bodyPr>
+          <a:p>
+            <a:pPr indent="457200">
+              <a:lnSpc>
+                <a:spcPct val="150000"/>
+              </a:lnSpc>
+            </a:pPr>
+            <a:r>
+              <a:rPr lang="ru-RU"/>
+              <a:t>Состав мибильных роботов:</a:t>
+            </a:r>
+            <a:endParaRPr lang="ru-RU"/>
+          </a:p>
+          <a:p>
+            <a:pPr indent="457200">
+              <a:lnSpc>
+                <a:spcPct val="150000"/>
+              </a:lnSpc>
+            </a:pPr>
+            <a:r>
+              <a:rPr lang="ru-RU"/>
+              <a:t>1 - Raspberry Pi 4</a:t>
+            </a:r>
+            <a:endParaRPr lang="ru-RU"/>
+          </a:p>
+          <a:p>
+            <a:pPr indent="457200">
+              <a:lnSpc>
+                <a:spcPct val="150000"/>
+              </a:lnSpc>
+            </a:pPr>
+            <a:r>
+              <a:rPr lang="ru-RU"/>
+              <a:t>2 - моторы с редукторами</a:t>
+            </a:r>
+            <a:endParaRPr lang="ru-RU"/>
+          </a:p>
+          <a:p>
+            <a:pPr indent="457200">
+              <a:lnSpc>
+                <a:spcPct val="150000"/>
+              </a:lnSpc>
+            </a:pPr>
+            <a:r>
+              <a:rPr lang="ru-RU"/>
+              <a:t>3 - драйвер электродвигателей</a:t>
+            </a:r>
+            <a:endParaRPr lang="ru-RU"/>
+          </a:p>
+          <a:p>
+            <a:pPr indent="457200">
+              <a:lnSpc>
+                <a:spcPct val="150000"/>
+              </a:lnSpc>
+            </a:pPr>
+            <a:r>
+              <a:rPr lang="ru-RU"/>
+              <a:t>4 - элемент питания</a:t>
+            </a:r>
+            <a:endParaRPr lang="ru-RU"/>
+          </a:p>
+          <a:p>
+            <a:pPr indent="457200">
+              <a:lnSpc>
+                <a:spcPct val="150000"/>
+              </a:lnSpc>
+            </a:pPr>
+            <a:r>
+              <a:rPr lang="ru-RU"/>
+              <a:t>5 - ультразвуковой дальномер</a:t>
+            </a:r>
+            <a:endParaRPr lang="ru-RU"/>
+          </a:p>
+          <a:p>
+            <a:pPr indent="457200">
+              <a:lnSpc>
+                <a:spcPct val="150000"/>
+              </a:lnSpc>
+            </a:pPr>
+            <a:r>
+              <a:rPr lang="ru-RU"/>
+              <a:t>6 - инерциальный датчик</a:t>
+            </a:r>
+            <a:endParaRPr lang="ru-RU"/>
+          </a:p>
+          <a:p>
+            <a:pPr indent="457200">
+              <a:lnSpc>
+                <a:spcPct val="150000"/>
+              </a:lnSpc>
+            </a:pPr>
+            <a:r>
+              <a:rPr lang="ru-RU"/>
+              <a:t>7 - радиомодуль MDEK1001.</a:t>
+            </a:r>
+            <a:endParaRPr lang="ru-RU"/>
+          </a:p>
+        </p:txBody>
+      </p:sp>
+      <p:pic>
+        <p:nvPicPr>
+          <p:cNvPr id="7" name="Изображение 1"/>
+          <p:cNvPicPr>
+            <a:picLocks noChangeAspect="1"/>
+          </p:cNvPicPr>
+          <p:nvPr>
+            <p:custDataLst>
+              <p:tags r:id="rId2"/>
+            </p:custDataLst>
+          </p:nvPr>
+        </p:nvPicPr>
+        <p:blipFill>
+          <a:blip r:embed="rId3"/>
+          <a:stretch>
+            <a:fillRect/>
+          </a:stretch>
+        </p:blipFill>
+        <p:spPr>
+          <a:xfrm>
+            <a:off x="4214495" y="1172845"/>
+            <a:ext cx="4787900" cy="3588385"/>
+          </a:xfrm>
+          <a:prstGeom prst="rect">
+            <a:avLst/>
+          </a:prstGeom>
+          <a:noFill/>
+          <a:ln>
+            <a:noFill/>
+          </a:ln>
+        </p:spPr>
+      </p:pic>
+    </p:spTree>
+  </p:cSld>
+  <p:clrMapOvr>
+    <a:masterClrMapping/>
+  </p:clrMapOvr>
+</p:sld>
+</file>
+
+<file path=ppt/slides/slide14.xml><?xml version="1.0" encoding="utf-8"?>
 <p:sld xmlns:a="http://schemas.openxmlformats.org/drawingml/2006/main" xmlns:r="http://schemas.openxmlformats.org/officeDocument/2006/relationships" xmlns:p="http://schemas.openxmlformats.org/presentationml/2006/main">
   <p:cSld>
     <p:spTree>
@@ -25404,7 +25905,7 @@
       </p:sp>
       <p:pic>
         <p:nvPicPr>
-          <p:cNvPr id="7" name="Изображение 6"/>
+          <p:cNvPr id="9" name="Изображение 8"/>
           <p:cNvPicPr>
             <a:picLocks noChangeAspect="1"/>
           </p:cNvPicPr>
@@ -25418,60 +25919,7 @@
         </p:blipFill>
         <p:spPr>
           <a:xfrm>
-            <a:off x="306070" y="1783080"/>
-            <a:ext cx="3919855" cy="1273175"/>
-          </a:xfrm>
-          <a:prstGeom prst="rect">
-            <a:avLst/>
-          </a:prstGeom>
-        </p:spPr>
-      </p:pic>
-      <p:sp>
-        <p:nvSpPr>
-          <p:cNvPr id="8" name="Текстовое поле 7"/>
-          <p:cNvSpPr txBox="1"/>
-          <p:nvPr/>
-        </p:nvSpPr>
-        <p:spPr>
-          <a:xfrm>
-            <a:off x="306070" y="1379220"/>
-            <a:ext cx="3048000" cy="306705"/>
-          </a:xfrm>
-          <a:prstGeom prst="rect">
-            <a:avLst/>
-          </a:prstGeom>
-          <a:noFill/>
-        </p:spPr>
-        <p:txBody>
-          <a:bodyPr wrap="square" rtlCol="0">
-            <a:spAutoFit/>
-          </a:bodyPr>
-          <a:p>
-            <a:r>
-              <a:rPr lang="ru-RU" altLang="en-US"/>
-              <a:t>Моделирование:</a:t>
-            </a:r>
-            <a:endParaRPr lang="ru-RU" altLang="en-US"/>
-          </a:p>
-        </p:txBody>
-      </p:sp>
-      <p:pic>
-        <p:nvPicPr>
-          <p:cNvPr id="9" name="Изображение 8"/>
-          <p:cNvPicPr>
-            <a:picLocks noChangeAspect="1"/>
-          </p:cNvPicPr>
-          <p:nvPr/>
-        </p:nvPicPr>
-        <p:blipFill>
-          <a:blip r:embed="rId3"/>
-          <a:stretch>
-            <a:fillRect/>
-          </a:stretch>
-        </p:blipFill>
-        <p:spPr>
-          <a:xfrm>
-            <a:off x="306070" y="3573145"/>
+            <a:off x="2611755" y="1553845"/>
             <a:ext cx="3919220" cy="840105"/>
           </a:xfrm>
           <a:prstGeom prst="rect">
@@ -25479,35 +25927,6 @@
           </a:prstGeom>
         </p:spPr>
       </p:pic>
-      <p:sp>
-        <p:nvSpPr>
-          <p:cNvPr id="11" name="Текстовое поле 10"/>
-          <p:cNvSpPr txBox="1"/>
-          <p:nvPr/>
-        </p:nvSpPr>
-        <p:spPr>
-          <a:xfrm>
-            <a:off x="306070" y="3153410"/>
-            <a:ext cx="3048000" cy="306705"/>
-          </a:xfrm>
-          <a:prstGeom prst="rect">
-            <a:avLst/>
-          </a:prstGeom>
-          <a:noFill/>
-        </p:spPr>
-        <p:txBody>
-          <a:bodyPr wrap="square" rtlCol="0">
-            <a:spAutoFit/>
-          </a:bodyPr>
-          <a:p>
-            <a:r>
-              <a:rPr lang="ru-RU" altLang="en-US"/>
-              <a:t>Эксперимент:</a:t>
-            </a:r>
-            <a:endParaRPr lang="ru-RU" altLang="en-US"/>
-          </a:p>
-        </p:txBody>
-      </p:sp>
       <p:pic>
         <p:nvPicPr>
           <p:cNvPr id="30" name="Изображение 30" descr="ex_pic"/>
@@ -25517,7 +25936,7 @@
           <p:nvPr/>
         </p:nvPicPr>
         <p:blipFill>
-          <a:blip r:embed="rId4"/>
+          <a:blip r:embed="rId3"/>
           <a:srcRect t="31" r="1692"/>
           <a:stretch>
             <a:fillRect/>
@@ -25525,40 +25944,12 @@
         </p:blipFill>
         <p:spPr>
           <a:xfrm>
-            <a:off x="4281805" y="3072130"/>
-            <a:ext cx="4787265" cy="1695450"/>
+            <a:off x="1131570" y="2542540"/>
+            <a:ext cx="6920230" cy="2450465"/>
           </a:xfrm>
           <a:prstGeom prst="rect">
             <a:avLst/>
           </a:prstGeom>
-        </p:spPr>
-      </p:pic>
-      <p:pic>
-        <p:nvPicPr>
-          <p:cNvPr id="27" name="Изображение 2"/>
-          <p:cNvPicPr>
-            <a:picLocks noChangeAspect="1"/>
-          </p:cNvPicPr>
-          <p:nvPr/>
-        </p:nvPicPr>
-        <p:blipFill>
-          <a:blip r:embed="rId5"/>
-          <a:stretch>
-            <a:fillRect/>
-          </a:stretch>
-        </p:blipFill>
-        <p:spPr>
-          <a:xfrm>
-            <a:off x="5169535" y="1136015"/>
-            <a:ext cx="3011170" cy="1859915"/>
-          </a:xfrm>
-          <a:prstGeom prst="rect">
-            <a:avLst/>
-          </a:prstGeom>
-          <a:noFill/>
-          <a:ln>
-            <a:noFill/>
-          </a:ln>
         </p:spPr>
       </p:pic>
     </p:spTree>
@@ -25569,7 +25960,7 @@
 </p:sld>
 </file>
 
-<file path=ppt/slides/slide14.xml><?xml version="1.0" encoding="utf-8"?>
+<file path=ppt/slides/slide15.xml><?xml version="1.0" encoding="utf-8"?>
 <p:sld xmlns:a="http://schemas.openxmlformats.org/drawingml/2006/main" xmlns:r="http://schemas.openxmlformats.org/officeDocument/2006/relationships" xmlns:p="http://schemas.openxmlformats.org/presentationml/2006/main">
   <p:cSld>
     <p:spTree>
@@ -25815,7 +26206,7 @@
             </a:pPr>
             <a:r>
               <a:rPr lang="ru-RU" altLang="en-US"/>
-              <a:t>Разработана математическая модель системы, программная среда для моделирования и проведён натурный эксперимент. </a:t>
+              <a:t>Разработана математическая модель роя роботов, программа для моделирования и проведён натурный эксперимент. </a:t>
             </a:r>
             <a:endParaRPr lang="ru-RU" altLang="en-US"/>
           </a:p>
@@ -25827,7 +26218,7 @@
             </a:pPr>
             <a:r>
               <a:rPr lang="ru-RU" altLang="en-US"/>
-              <a:t>Были рассмотрены три алгоритма мультиагентного взаимодействия: алгоритм на основе здравого смысла (COM), метод роя частиц (PSO) и муравьиный алгоритм (ACO). Алгоритм </a:t>
+              <a:t>Были рассмотрены три алгоритма мультиагентного взаимодействия: алгоритм на основе здравого смысла (COM), метод роя частиц (PSO) и алгоритм на основе муравьиного алгоритма (ACO). Алгоритм </a:t>
             </a:r>
             <a:r>
               <a:rPr lang="en-US" altLang="en-US"/>
@@ -25836,368 +26227,6 @@
             <a:r>
               <a:rPr lang="ru-RU" altLang="en-US"/>
               <a:t>по результатам моделирования и эксперимента был наиболее эффективен.</a:t>
-            </a:r>
-            <a:endParaRPr lang="ru-RU" altLang="en-US"/>
-          </a:p>
-        </p:txBody>
-      </p:sp>
-    </p:spTree>
-  </p:cSld>
-  <p:clrMapOvr>
-    <a:masterClrMapping/>
-  </p:clrMapOvr>
-</p:sld>
-</file>
-
-<file path=ppt/slides/slide15.xml><?xml version="1.0" encoding="utf-8"?>
-<p:sld xmlns:a="http://schemas.openxmlformats.org/drawingml/2006/main" xmlns:r="http://schemas.openxmlformats.org/officeDocument/2006/relationships" xmlns:p="http://schemas.openxmlformats.org/presentationml/2006/main">
-  <p:cSld>
-    <p:spTree>
-      <p:nvGrpSpPr>
-        <p:cNvPr id="111" name="Shape 111"/>
-        <p:cNvGrpSpPr/>
-        <p:nvPr/>
-      </p:nvGrpSpPr>
-      <p:grpSpPr>
-        <a:xfrm>
-          <a:off x="0" y="0"/>
-          <a:ext cx="0" cy="0"/>
-          <a:chOff x="0" y="0"/>
-          <a:chExt cx="0" cy="0"/>
-        </a:xfrm>
-      </p:grpSpPr>
-      <p:sp>
-        <p:nvSpPr>
-          <p:cNvPr id="2" name="Google Shape;89;p1"/>
-          <p:cNvSpPr txBox="1"/>
-          <p:nvPr/>
-        </p:nvSpPr>
-        <p:spPr>
-          <a:xfrm>
-            <a:off x="1651000" y="33020"/>
-            <a:ext cx="5841365" cy="1026160"/>
-          </a:xfrm>
-          <a:prstGeom prst="rect">
-            <a:avLst/>
-          </a:prstGeom>
-          <a:noFill/>
-          <a:ln>
-            <a:noFill/>
-          </a:ln>
-        </p:spPr>
-        <p:txBody>
-          <a:bodyPr spcFirstLastPara="1" wrap="square" lIns="91425" tIns="45700" rIns="91425" bIns="45700" anchor="ctr" anchorCtr="0">
-            <a:noAutofit/>
-          </a:bodyPr>
-          <a:p>
-            <a:pPr marL="0" indent="0" algn="ctr">
-              <a:lnSpc>
-                <a:spcPct val="150000"/>
-              </a:lnSpc>
-              <a:buClr>
-                <a:srgbClr val="A5A5A5"/>
-              </a:buClr>
-              <a:buSzPts val="2400"/>
-              <a:buFont typeface="Calibri" panose="020F0502020204030204"/>
-              <a:buNone/>
-            </a:pPr>
-            <a:r>
-              <a:rPr lang="ru-RU" b="0" i="0" u="none" strike="noStrike" cap="none">
-                <a:solidFill>
-                  <a:schemeClr val="tx1"/>
-                </a:solidFill>
-                <a:latin typeface="Arial" panose="020B0604020202020204" pitchFamily="34" charset="0"/>
-                <a:ea typeface="Calibri" panose="020F0502020204030204"/>
-                <a:cs typeface="Arial" panose="020B0604020202020204" pitchFamily="34" charset="0"/>
-                <a:sym typeface="Calibri" panose="020F0502020204030204"/>
-              </a:rPr>
-              <a:t> </a:t>
-            </a:r>
-            <a:r>
-              <a:rPr lang="ru-RU" altLang="ru-RU">
-                <a:solidFill>
-                  <a:schemeClr val="tx1"/>
-                </a:solidFill>
-                <a:latin typeface="Arial" panose="020B0604020202020204" pitchFamily="34" charset="0"/>
-                <a:ea typeface="Calibri" panose="020F0502020204030204"/>
-                <a:cs typeface="Arial" panose="020B0604020202020204" pitchFamily="34" charset="0"/>
-                <a:sym typeface="Calibri" panose="020F0502020204030204"/>
-              </a:rPr>
-              <a:t>ВЫПУСКНАЯ КВАЛИФИКАЦИОННАЯ РАБОТА</a:t>
-            </a:r>
-            <a:endParaRPr lang="ru-RU" altLang="ru-RU" cap="none">
-              <a:solidFill>
-                <a:schemeClr val="tx1"/>
-              </a:solidFill>
-              <a:latin typeface="Arial" panose="020B0604020202020204" pitchFamily="34" charset="0"/>
-              <a:ea typeface="Calibri" panose="020F0502020204030204"/>
-              <a:cs typeface="Arial" panose="020B0604020202020204" pitchFamily="34" charset="0"/>
-              <a:sym typeface="Calibri" panose="020F0502020204030204"/>
-            </a:endParaRPr>
-          </a:p>
-          <a:p>
-            <a:pPr marL="0" indent="0" algn="ctr">
-              <a:lnSpc>
-                <a:spcPct val="150000"/>
-              </a:lnSpc>
-              <a:buClr>
-                <a:srgbClr val="A5A5A5"/>
-              </a:buClr>
-              <a:buSzPts val="2400"/>
-              <a:buFont typeface="Calibri" panose="020F0502020204030204"/>
-              <a:buNone/>
-            </a:pPr>
-            <a:r>
-              <a:rPr lang="ru-RU" altLang="ru-RU">
-                <a:solidFill>
-                  <a:schemeClr val="tx1"/>
-                </a:solidFill>
-                <a:latin typeface="Arial" panose="020B0604020202020204" pitchFamily="34" charset="0"/>
-                <a:ea typeface="Calibri" panose="020F0502020204030204"/>
-                <a:cs typeface="Arial" panose="020B0604020202020204" pitchFamily="34" charset="0"/>
-                <a:sym typeface="Calibri" panose="020F0502020204030204"/>
-              </a:rPr>
-              <a:t> </a:t>
-            </a:r>
-            <a:r>
-              <a:rPr lang="ru-RU" altLang="en-US">
-                <a:latin typeface="Arial" panose="020B0604020202020204" pitchFamily="34" charset="0"/>
-                <a:cs typeface="Arial" panose="020B0604020202020204" pitchFamily="34" charset="0"/>
-                <a:sym typeface="+mn-ea"/>
-              </a:rPr>
-              <a:t>Тема: «Мультиагентное взаимодействие роя роботов</a:t>
-            </a:r>
-            <a:endParaRPr lang="ru-RU" sz="1800" b="0" i="0" u="none" strike="noStrike" cap="none">
-              <a:solidFill>
-                <a:schemeClr val="tx1"/>
-              </a:solidFill>
-              <a:latin typeface="Calibri" panose="020F0502020204030204"/>
-              <a:ea typeface="Calibri" panose="020F0502020204030204"/>
-              <a:cs typeface="Calibri" panose="020F0502020204030204"/>
-              <a:sym typeface="Calibri" panose="020F0502020204030204"/>
-            </a:endParaRPr>
-          </a:p>
-        </p:txBody>
-      </p:sp>
-      <p:cxnSp>
-        <p:nvCxnSpPr>
-          <p:cNvPr id="3" name="Google Shape;93;p1"/>
-          <p:cNvCxnSpPr/>
-          <p:nvPr/>
-        </p:nvCxnSpPr>
-        <p:spPr>
-          <a:xfrm>
-            <a:off x="3175" y="1058863"/>
-            <a:ext cx="9177300" cy="0"/>
-          </a:xfrm>
-          <a:prstGeom prst="straightConnector1">
-            <a:avLst/>
-          </a:prstGeom>
-          <a:noFill/>
-          <a:ln w="38100" cap="flat" cmpd="sng">
-            <a:solidFill>
-              <a:schemeClr val="dk2"/>
-            </a:solidFill>
-            <a:prstDash val="solid"/>
-            <a:round/>
-            <a:headEnd type="none" w="sm" len="sm"/>
-            <a:tailEnd type="none" w="sm" len="sm"/>
-          </a:ln>
-        </p:spPr>
-      </p:cxnSp>
-      <p:cxnSp>
-        <p:nvCxnSpPr>
-          <p:cNvPr id="4" name="Google Shape;94;p1"/>
-          <p:cNvCxnSpPr/>
-          <p:nvPr/>
-        </p:nvCxnSpPr>
-        <p:spPr>
-          <a:xfrm>
-            <a:off x="3175" y="1131888"/>
-            <a:ext cx="2697300" cy="0"/>
-          </a:xfrm>
-          <a:prstGeom prst="straightConnector1">
-            <a:avLst/>
-          </a:prstGeom>
-          <a:noFill/>
-          <a:ln w="38100" cap="flat" cmpd="sng">
-            <a:solidFill>
-              <a:srgbClr val="C00000"/>
-            </a:solidFill>
-            <a:prstDash val="solid"/>
-            <a:round/>
-            <a:headEnd type="none" w="sm" len="sm"/>
-            <a:tailEnd type="none" w="sm" len="sm"/>
-          </a:ln>
-        </p:spPr>
-      </p:cxnSp>
-      <p:pic>
-        <p:nvPicPr>
-          <p:cNvPr id="5" name="Рисунок 14"/>
-          <p:cNvPicPr>
-            <a:picLocks noChangeAspect="1" noChangeArrowheads="1"/>
-          </p:cNvPicPr>
-          <p:nvPr/>
-        </p:nvPicPr>
-        <p:blipFill>
-          <a:blip r:embed="rId1" cstate="print">
-            <a:extLst>
-              <a:ext uri="{28A0092B-C50C-407E-A947-70E740481C1C}">
-                <a14:useLocalDpi xmlns:a14="http://schemas.microsoft.com/office/drawing/2010/main" val="0"/>
-              </a:ext>
-            </a:extLst>
-          </a:blip>
-          <a:srcRect/>
-          <a:stretch>
-            <a:fillRect/>
-          </a:stretch>
-        </p:blipFill>
-        <p:spPr>
-          <a:xfrm>
-            <a:off x="116205" y="100965"/>
-            <a:ext cx="891540" cy="844550"/>
-          </a:xfrm>
-          <a:prstGeom prst="rect">
-            <a:avLst/>
-          </a:prstGeom>
-          <a:noFill/>
-          <a:ln>
-            <a:noFill/>
-          </a:ln>
-        </p:spPr>
-      </p:pic>
-      <p:sp>
-        <p:nvSpPr>
-          <p:cNvPr id="10" name="Замещающий номер слайда 9"/>
-          <p:cNvSpPr>
-            <a:spLocks noGrp="1"/>
-          </p:cNvSpPr>
-          <p:nvPr>
-            <p:ph type="sldNum" idx="12"/>
-          </p:nvPr>
-        </p:nvSpPr>
-        <p:spPr/>
-        <p:txBody>
-          <a:bodyPr/>
-          <a:p>
-            <a:pPr marL="0" lvl="0" indent="0" algn="r" rtl="0">
-              <a:spcBef>
-                <a:spcPts val="0"/>
-              </a:spcBef>
-              <a:spcAft>
-                <a:spcPts val="0"/>
-              </a:spcAft>
-              <a:buNone/>
-            </a:pPr>
-            <a:fld id="{00000000-1234-1234-1234-123412341234}" type="slidenum">
-              <a:rPr lang="ru-RU"/>
-            </a:fld>
-            <a:endParaRPr lang="ru-RU"/>
-          </a:p>
-        </p:txBody>
-      </p:sp>
-      <p:sp>
-        <p:nvSpPr>
-          <p:cNvPr id="6" name="Текстовое поле 5"/>
-          <p:cNvSpPr txBox="1"/>
-          <p:nvPr/>
-        </p:nvSpPr>
-        <p:spPr>
-          <a:xfrm>
-            <a:off x="2321560" y="4184015"/>
-            <a:ext cx="4499610" cy="583565"/>
-          </a:xfrm>
-          <a:prstGeom prst="rect">
-            <a:avLst/>
-          </a:prstGeom>
-          <a:noFill/>
-        </p:spPr>
-        <p:txBody>
-          <a:bodyPr wrap="square" rtlCol="0">
-            <a:spAutoFit/>
-          </a:bodyPr>
-          <a:p>
-            <a:r>
-              <a:rPr lang="ru-RU" altLang="en-US" sz="3200"/>
-              <a:t>Спасибо за внимание!</a:t>
-            </a:r>
-            <a:endParaRPr lang="ru-RU" altLang="en-US" sz="3200"/>
-          </a:p>
-        </p:txBody>
-      </p:sp>
-      <p:pic>
-        <p:nvPicPr>
-          <p:cNvPr id="12" name="Изображение 11" descr="enmi1"/>
-          <p:cNvPicPr>
-            <a:picLocks noChangeAspect="1"/>
-          </p:cNvPicPr>
-          <p:nvPr/>
-        </p:nvPicPr>
-        <p:blipFill>
-          <a:blip r:embed="rId2"/>
-          <a:stretch>
-            <a:fillRect/>
-          </a:stretch>
-        </p:blipFill>
-        <p:spPr>
-          <a:xfrm>
-            <a:off x="7723505" y="4004310"/>
-            <a:ext cx="1359535" cy="763270"/>
-          </a:xfrm>
-          <a:prstGeom prst="rect">
-            <a:avLst/>
-          </a:prstGeom>
-        </p:spPr>
-      </p:pic>
-      <p:pic>
-        <p:nvPicPr>
-          <p:cNvPr id="8" name="Изображение 7"/>
-          <p:cNvPicPr>
-            <a:picLocks noChangeAspect="1"/>
-          </p:cNvPicPr>
-          <p:nvPr/>
-        </p:nvPicPr>
-        <p:blipFill>
-          <a:blip r:embed="rId3"/>
-          <a:srcRect t="10996"/>
-          <a:stretch>
-            <a:fillRect/>
-          </a:stretch>
-        </p:blipFill>
-        <p:spPr>
-          <a:xfrm>
-            <a:off x="1871980" y="1604010"/>
-            <a:ext cx="5398135" cy="2400300"/>
-          </a:xfrm>
-          <a:prstGeom prst="rect">
-            <a:avLst/>
-          </a:prstGeom>
-        </p:spPr>
-      </p:pic>
-      <p:sp>
-        <p:nvSpPr>
-          <p:cNvPr id="7" name="Текстовое поле 6"/>
-          <p:cNvSpPr txBox="1"/>
-          <p:nvPr/>
-        </p:nvSpPr>
-        <p:spPr>
-          <a:xfrm>
-            <a:off x="3312160" y="1220470"/>
-            <a:ext cx="2517140" cy="306705"/>
-          </a:xfrm>
-          <a:prstGeom prst="rect">
-            <a:avLst/>
-          </a:prstGeom>
-          <a:noFill/>
-        </p:spPr>
-        <p:txBody>
-          <a:bodyPr wrap="square" rtlCol="0">
-            <a:spAutoFit/>
-          </a:bodyPr>
-          <a:p>
-            <a:r>
-              <a:rPr lang="ru-RU" altLang="en-US"/>
-              <a:t>Библиографический список</a:t>
             </a:r>
             <a:endParaRPr lang="ru-RU" altLang="en-US"/>
           </a:p>
@@ -26468,7 +26497,7 @@
             </a:pPr>
             <a:r>
               <a:rPr lang="ru-RU" altLang="en-US"/>
-              <a:t>Применение таких систем актуально в различных сферах, включая промышленность, военную сферу, исследование местности и медицину.</a:t>
+              <a:t>Применение таких систем актуально в различных сферах, включая промышленность, военную сферу и исследование местности.</a:t>
             </a:r>
             <a:endParaRPr lang="ru-RU" altLang="en-US"/>
           </a:p>
@@ -26784,7 +26813,7 @@
               <a:rPr lang="ru-RU" altLang="en-US">
                 <a:sym typeface="+mn-ea"/>
               </a:rPr>
-              <a:t>— создание среды моделирование,</a:t>
+              <a:t>— создание программы для моделирования,</a:t>
             </a:r>
             <a:endParaRPr lang="ru-RU" altLang="en-US"/>
           </a:p>
@@ -26839,6 +26868,366 @@
 </file>
 
 <file path=ppt/slides/slide4.xml><?xml version="1.0" encoding="utf-8"?>
+<p:sld xmlns:a="http://schemas.openxmlformats.org/drawingml/2006/main" xmlns:r="http://schemas.openxmlformats.org/officeDocument/2006/relationships" xmlns:p="http://schemas.openxmlformats.org/presentationml/2006/main">
+  <p:cSld>
+    <p:spTree>
+      <p:nvGrpSpPr>
+        <p:cNvPr id="111" name="Shape 111"/>
+        <p:cNvGrpSpPr/>
+        <p:nvPr/>
+      </p:nvGrpSpPr>
+      <p:grpSpPr>
+        <a:xfrm>
+          <a:off x="0" y="0"/>
+          <a:ext cx="0" cy="0"/>
+          <a:chOff x="0" y="0"/>
+          <a:chExt cx="0" cy="0"/>
+        </a:xfrm>
+      </p:grpSpPr>
+      <p:sp>
+        <p:nvSpPr>
+          <p:cNvPr id="2" name="Google Shape;89;p1"/>
+          <p:cNvSpPr txBox="1"/>
+          <p:nvPr/>
+        </p:nvSpPr>
+        <p:spPr>
+          <a:xfrm>
+            <a:off x="2293620" y="211455"/>
+            <a:ext cx="4556125" cy="623570"/>
+          </a:xfrm>
+          <a:prstGeom prst="rect">
+            <a:avLst/>
+          </a:prstGeom>
+          <a:noFill/>
+          <a:ln>
+            <a:noFill/>
+          </a:ln>
+        </p:spPr>
+        <p:txBody>
+          <a:bodyPr spcFirstLastPara="1" wrap="square" lIns="91425" tIns="45700" rIns="91425" bIns="45700" anchor="ctr" anchorCtr="0">
+            <a:noAutofit/>
+          </a:bodyPr>
+          <a:p>
+            <a:pPr marL="0" marR="0" lvl="0" indent="0" algn="ctr" rtl="0">
+              <a:spcBef>
+                <a:spcPts val="0"/>
+              </a:spcBef>
+              <a:spcAft>
+                <a:spcPts val="0"/>
+              </a:spcAft>
+              <a:buClr>
+                <a:srgbClr val="A5A5A5"/>
+              </a:buClr>
+              <a:buSzPts val="2400"/>
+              <a:buFont typeface="Calibri" panose="020F0502020204030204"/>
+              <a:buNone/>
+            </a:pPr>
+            <a:r>
+              <a:rPr lang="ru-RU" altLang="ru-RU" sz="1800" b="0" i="0" u="none" strike="noStrike" cap="none">
+                <a:solidFill>
+                  <a:schemeClr val="tx1"/>
+                </a:solidFill>
+                <a:latin typeface="Calibri" panose="020F0502020204030204"/>
+                <a:ea typeface="Calibri" panose="020F0502020204030204"/>
+                <a:cs typeface="Calibri" panose="020F0502020204030204"/>
+                <a:sym typeface="Calibri" panose="020F0502020204030204"/>
+              </a:rPr>
+              <a:t>Мультиагентная задача</a:t>
+            </a:r>
+            <a:endParaRPr lang="ru-RU" altLang="ru-RU" sz="1800" b="0" i="0" u="none" strike="noStrike" cap="none">
+              <a:solidFill>
+                <a:schemeClr val="tx1"/>
+              </a:solidFill>
+              <a:latin typeface="Calibri" panose="020F0502020204030204"/>
+              <a:ea typeface="Calibri" panose="020F0502020204030204"/>
+              <a:cs typeface="Calibri" panose="020F0502020204030204"/>
+              <a:sym typeface="Calibri" panose="020F0502020204030204"/>
+            </a:endParaRPr>
+          </a:p>
+        </p:txBody>
+      </p:sp>
+      <p:cxnSp>
+        <p:nvCxnSpPr>
+          <p:cNvPr id="3" name="Google Shape;93;p1"/>
+          <p:cNvCxnSpPr/>
+          <p:nvPr/>
+        </p:nvCxnSpPr>
+        <p:spPr>
+          <a:xfrm>
+            <a:off x="3175" y="1058863"/>
+            <a:ext cx="9177300" cy="0"/>
+          </a:xfrm>
+          <a:prstGeom prst="straightConnector1">
+            <a:avLst/>
+          </a:prstGeom>
+          <a:noFill/>
+          <a:ln w="38100" cap="flat" cmpd="sng">
+            <a:solidFill>
+              <a:schemeClr val="dk2"/>
+            </a:solidFill>
+            <a:prstDash val="solid"/>
+            <a:round/>
+            <a:headEnd type="none" w="sm" len="sm"/>
+            <a:tailEnd type="none" w="sm" len="sm"/>
+          </a:ln>
+        </p:spPr>
+      </p:cxnSp>
+      <p:cxnSp>
+        <p:nvCxnSpPr>
+          <p:cNvPr id="4" name="Google Shape;94;p1"/>
+          <p:cNvCxnSpPr/>
+          <p:nvPr/>
+        </p:nvCxnSpPr>
+        <p:spPr>
+          <a:xfrm>
+            <a:off x="3175" y="1131888"/>
+            <a:ext cx="2697300" cy="0"/>
+          </a:xfrm>
+          <a:prstGeom prst="straightConnector1">
+            <a:avLst/>
+          </a:prstGeom>
+          <a:noFill/>
+          <a:ln w="38100" cap="flat" cmpd="sng">
+            <a:solidFill>
+              <a:srgbClr val="C00000"/>
+            </a:solidFill>
+            <a:prstDash val="solid"/>
+            <a:round/>
+            <a:headEnd type="none" w="sm" len="sm"/>
+            <a:tailEnd type="none" w="sm" len="sm"/>
+          </a:ln>
+        </p:spPr>
+      </p:cxnSp>
+      <p:pic>
+        <p:nvPicPr>
+          <p:cNvPr id="5" name="Рисунок 14"/>
+          <p:cNvPicPr>
+            <a:picLocks noChangeAspect="1" noChangeArrowheads="1"/>
+          </p:cNvPicPr>
+          <p:nvPr/>
+        </p:nvPicPr>
+        <p:blipFill>
+          <a:blip r:embed="rId1" cstate="print">
+            <a:extLst>
+              <a:ext uri="{28A0092B-C50C-407E-A947-70E740481C1C}">
+                <a14:useLocalDpi xmlns:a14="http://schemas.microsoft.com/office/drawing/2010/main" val="0"/>
+              </a:ext>
+            </a:extLst>
+          </a:blip>
+          <a:srcRect/>
+          <a:stretch>
+            <a:fillRect/>
+          </a:stretch>
+        </p:blipFill>
+        <p:spPr>
+          <a:xfrm>
+            <a:off x="116205" y="100965"/>
+            <a:ext cx="891540" cy="844550"/>
+          </a:xfrm>
+          <a:prstGeom prst="rect">
+            <a:avLst/>
+          </a:prstGeom>
+          <a:noFill/>
+          <a:ln>
+            <a:noFill/>
+          </a:ln>
+        </p:spPr>
+      </p:pic>
+      <p:sp>
+        <p:nvSpPr>
+          <p:cNvPr id="10" name="Замещающий номер слайда 9"/>
+          <p:cNvSpPr>
+            <a:spLocks noGrp="1"/>
+          </p:cNvSpPr>
+          <p:nvPr>
+            <p:ph type="sldNum" idx="12"/>
+          </p:nvPr>
+        </p:nvSpPr>
+        <p:spPr/>
+        <p:txBody>
+          <a:bodyPr/>
+          <a:p>
+            <a:pPr marL="0" lvl="0" indent="0" algn="r" rtl="0">
+              <a:spcBef>
+                <a:spcPts val="0"/>
+              </a:spcBef>
+              <a:spcAft>
+                <a:spcPts val="0"/>
+              </a:spcAft>
+              <a:buNone/>
+            </a:pPr>
+            <a:fld id="{00000000-1234-1234-1234-123412341234}" type="slidenum">
+              <a:rPr lang="ru-RU"/>
+            </a:fld>
+            <a:endParaRPr lang="ru-RU"/>
+          </a:p>
+        </p:txBody>
+      </p:sp>
+      <p:sp>
+        <p:nvSpPr>
+          <p:cNvPr id="13" name="Текстовое поле 12"/>
+          <p:cNvSpPr txBox="1"/>
+          <p:nvPr/>
+        </p:nvSpPr>
+        <p:spPr>
+          <a:xfrm>
+            <a:off x="3175" y="1205230"/>
+            <a:ext cx="8345805" cy="1858645"/>
+          </a:xfrm>
+          <a:prstGeom prst="rect">
+            <a:avLst/>
+          </a:prstGeom>
+          <a:noFill/>
+        </p:spPr>
+        <p:txBody>
+          <a:bodyPr wrap="square" rtlCol="0">
+            <a:noAutofit/>
+          </a:bodyPr>
+          <a:p>
+            <a:pPr indent="457200">
+              <a:lnSpc>
+                <a:spcPct val="150000"/>
+              </a:lnSpc>
+            </a:pPr>
+            <a:r>
+              <a:rPr lang="ru-RU" altLang="en-US"/>
+              <a:t>Поставим задачи, которые должна решать наша мультиагентная система:</a:t>
+            </a:r>
+            <a:endParaRPr lang="ru-RU" altLang="en-US"/>
+          </a:p>
+          <a:p>
+            <a:pPr indent="457200">
+              <a:lnSpc>
+                <a:spcPct val="150000"/>
+              </a:lnSpc>
+            </a:pPr>
+            <a:endParaRPr lang="ru-RU" altLang="en-US"/>
+          </a:p>
+          <a:p>
+            <a:pPr indent="457200">
+              <a:lnSpc>
+                <a:spcPct val="150000"/>
+              </a:lnSpc>
+            </a:pPr>
+            <a:r>
+              <a:rPr lang="ru-RU" altLang="en-US"/>
+              <a:t>— переместить каждого агента роя из своего начального положения в целевое;</a:t>
+            </a:r>
+            <a:endParaRPr lang="ru-RU" altLang="en-US"/>
+          </a:p>
+          <a:p>
+            <a:pPr indent="457200">
+              <a:lnSpc>
+                <a:spcPct val="150000"/>
+              </a:lnSpc>
+            </a:pPr>
+            <a:endParaRPr lang="ru-RU" altLang="en-US"/>
+          </a:p>
+          <a:p>
+            <a:pPr indent="457200">
+              <a:lnSpc>
+                <a:spcPct val="150000"/>
+              </a:lnSpc>
+            </a:pPr>
+            <a:r>
+              <a:rPr lang="ru-RU" altLang="en-US">
+                <a:sym typeface="+mn-ea"/>
+              </a:rPr>
+              <a:t>— </a:t>
+            </a:r>
+            <a:r>
+              <a:rPr lang="ru-RU" altLang="en-US"/>
+              <a:t>избегать столкновения агентов роя друг с другом и с окружающими препятствиями;</a:t>
+            </a:r>
+            <a:endParaRPr lang="ru-RU" altLang="en-US"/>
+          </a:p>
+          <a:p>
+            <a:pPr indent="457200">
+              <a:lnSpc>
+                <a:spcPct val="150000"/>
+              </a:lnSpc>
+            </a:pPr>
+            <a:endParaRPr lang="ru-RU" altLang="en-US"/>
+          </a:p>
+          <a:p>
+            <a:pPr indent="457200">
+              <a:lnSpc>
+                <a:spcPct val="150000"/>
+              </a:lnSpc>
+            </a:pPr>
+            <a:r>
+              <a:rPr lang="ru-RU" altLang="en-US">
+                <a:sym typeface="+mn-ea"/>
+              </a:rPr>
+              <a:t>— </a:t>
+            </a:r>
+            <a:r>
+              <a:rPr lang="ru-RU" altLang="en-US"/>
+              <a:t>выполнить задачу наиболее эффективно по времени</a:t>
+            </a:r>
+            <a:r>
+              <a:rPr lang="ru-RU" altLang="en-US">
+                <a:sym typeface="+mn-ea"/>
+              </a:rPr>
+              <a:t>.</a:t>
+            </a:r>
+            <a:endParaRPr lang="ru-RU" altLang="en-US">
+              <a:sym typeface="+mn-ea"/>
+            </a:endParaRPr>
+          </a:p>
+          <a:p>
+            <a:pPr>
+              <a:lnSpc>
+                <a:spcPct val="150000"/>
+              </a:lnSpc>
+            </a:pPr>
+            <a:endParaRPr lang="ru-RU" altLang="en-US"/>
+          </a:p>
+        </p:txBody>
+      </p:sp>
+      <p:sp>
+        <p:nvSpPr>
+          <p:cNvPr id="6" name="Текстовое поле 5"/>
+          <p:cNvSpPr txBox="1"/>
+          <p:nvPr/>
+        </p:nvSpPr>
+        <p:spPr>
+          <a:xfrm>
+            <a:off x="422275" y="3707130"/>
+            <a:ext cx="7900035" cy="1060450"/>
+          </a:xfrm>
+          <a:prstGeom prst="rect">
+            <a:avLst/>
+          </a:prstGeom>
+          <a:noFill/>
+        </p:spPr>
+        <p:txBody>
+          <a:bodyPr wrap="square" rtlCol="0">
+            <a:spAutoFit/>
+          </a:bodyPr>
+          <a:p>
+            <a:pPr indent="457200">
+              <a:lnSpc>
+                <a:spcPct val="150000"/>
+              </a:lnSpc>
+            </a:pPr>
+            <a:r>
+              <a:rPr lang="ru-RU" altLang="en-US"/>
+              <a:t>Для решения этой задачи каждый агент роя роботов должен определять своё местоположение, уметь планировать свой путь, учитывать положения окружающих роботов и соблюдать требования, заданные для всего роя.</a:t>
+            </a:r>
+            <a:endParaRPr lang="ru-RU" altLang="en-US"/>
+          </a:p>
+        </p:txBody>
+      </p:sp>
+    </p:spTree>
+  </p:cSld>
+  <p:clrMapOvr>
+    <a:masterClrMapping/>
+  </p:clrMapOvr>
+</p:sld>
+</file>
+
+<file path=ppt/slides/slide5.xml><?xml version="1.0" encoding="utf-8"?>
 <p:sld xmlns:a="http://schemas.openxmlformats.org/drawingml/2006/main" xmlns:r="http://schemas.openxmlformats.org/officeDocument/2006/relationships" xmlns:p="http://schemas.openxmlformats.org/presentationml/2006/main">
   <p:cSld>
     <p:spTree>
@@ -27271,7 +27660,7 @@
 </p:sld>
 </file>
 
-<file path=ppt/slides/slide5.xml><?xml version="1.0" encoding="utf-8"?>
+<file path=ppt/slides/slide6.xml><?xml version="1.0" encoding="utf-8"?>
 <p:sld xmlns:a="http://schemas.openxmlformats.org/drawingml/2006/main" xmlns:r="http://schemas.openxmlformats.org/officeDocument/2006/relationships" xmlns:p="http://schemas.openxmlformats.org/presentationml/2006/main">
   <p:cSld>
     <p:spTree>
@@ -27821,7 +28210,7 @@
 </p:sld>
 </file>
 
-<file path=ppt/slides/slide6.xml><?xml version="1.0" encoding="utf-8"?>
+<file path=ppt/slides/slide7.xml><?xml version="1.0" encoding="utf-8"?>
 <p:sld xmlns:a="http://schemas.openxmlformats.org/drawingml/2006/main" xmlns:r="http://schemas.openxmlformats.org/officeDocument/2006/relationships" xmlns:p="http://schemas.openxmlformats.org/presentationml/2006/main">
   <p:cSld>
     <p:spTree>
@@ -27886,7 +28275,7 @@
                 <a:cs typeface="Calibri" panose="020F0502020204030204"/>
                 <a:sym typeface="Calibri" panose="020F0502020204030204"/>
               </a:rPr>
-              <a:t>Разработка среды компьютерного моделирования</a:t>
+              <a:t>Разработка программы компьютерного моделирования</a:t>
             </a:r>
             <a:endParaRPr lang="ru-RU" altLang="ru-RU" sz="1800" b="0" i="0" u="none" strike="noStrike" cap="none">
               <a:solidFill>
@@ -28073,7 +28462,7 @@
             </a:pPr>
             <a:r>
               <a:rPr lang="ru-RU" altLang="en-US"/>
-              <a:t>Основные сущности и функции, которые должна учитывать среда моделирования:</a:t>
+              <a:t>Основные сущности и функции, которые должны учитываться при моделирования:</a:t>
             </a:r>
             <a:endParaRPr lang="ru-RU" altLang="en-US"/>
           </a:p>
@@ -28169,7 +28558,7 @@
 </p:sld>
 </file>
 
-<file path=ppt/slides/slide7.xml><?xml version="1.0" encoding="utf-8"?>
+<file path=ppt/slides/slide8.xml><?xml version="1.0" encoding="utf-8"?>
 <p:sld xmlns:a="http://schemas.openxmlformats.org/drawingml/2006/main" xmlns:r="http://schemas.openxmlformats.org/officeDocument/2006/relationships" xmlns:p="http://schemas.openxmlformats.org/presentationml/2006/main">
   <p:cSld>
     <p:spTree>
@@ -28515,275 +28904,6 @@
 </p:sld>
 </file>
 
-<file path=ppt/slides/slide8.xml><?xml version="1.0" encoding="utf-8"?>
-<p:sld xmlns:a="http://schemas.openxmlformats.org/drawingml/2006/main" xmlns:r="http://schemas.openxmlformats.org/officeDocument/2006/relationships" xmlns:p="http://schemas.openxmlformats.org/presentationml/2006/main">
-  <p:cSld>
-    <p:spTree>
-      <p:nvGrpSpPr>
-        <p:cNvPr id="111" name="Shape 111"/>
-        <p:cNvGrpSpPr/>
-        <p:nvPr/>
-      </p:nvGrpSpPr>
-      <p:grpSpPr>
-        <a:xfrm>
-          <a:off x="0" y="0"/>
-          <a:ext cx="0" cy="0"/>
-          <a:chOff x="0" y="0"/>
-          <a:chExt cx="0" cy="0"/>
-        </a:xfrm>
-      </p:grpSpPr>
-      <p:sp>
-        <p:nvSpPr>
-          <p:cNvPr id="2" name="Google Shape;89;p1"/>
-          <p:cNvSpPr txBox="1"/>
-          <p:nvPr/>
-        </p:nvSpPr>
-        <p:spPr>
-          <a:xfrm>
-            <a:off x="1871980" y="211455"/>
-            <a:ext cx="5399405" cy="623570"/>
-          </a:xfrm>
-          <a:prstGeom prst="rect">
-            <a:avLst/>
-          </a:prstGeom>
-          <a:noFill/>
-          <a:ln>
-            <a:noFill/>
-          </a:ln>
-        </p:spPr>
-        <p:txBody>
-          <a:bodyPr spcFirstLastPara="1" wrap="square" lIns="91425" tIns="45700" rIns="91425" bIns="45700" anchor="ctr" anchorCtr="0">
-            <a:noAutofit/>
-          </a:bodyPr>
-          <a:p>
-            <a:pPr marL="0" marR="0" lvl="0" indent="0" algn="ctr" rtl="0">
-              <a:spcBef>
-                <a:spcPts val="0"/>
-              </a:spcBef>
-              <a:spcAft>
-                <a:spcPts val="0"/>
-              </a:spcAft>
-              <a:buClr>
-                <a:srgbClr val="A5A5A5"/>
-              </a:buClr>
-              <a:buSzPts val="2400"/>
-              <a:buFont typeface="Calibri" panose="020F0502020204030204"/>
-              <a:buNone/>
-            </a:pPr>
-            <a:r>
-              <a:rPr lang="en-US" altLang="ru-RU" sz="1800" b="0" i="0" u="none" strike="noStrike" cap="none">
-                <a:solidFill>
-                  <a:schemeClr val="tx1"/>
-                </a:solidFill>
-                <a:latin typeface="Calibri" panose="020F0502020204030204"/>
-                <a:ea typeface="Calibri" panose="020F0502020204030204"/>
-                <a:cs typeface="Calibri" panose="020F0502020204030204"/>
-                <a:sym typeface="Calibri" panose="020F0502020204030204"/>
-              </a:rPr>
-              <a:t>COM </a:t>
-            </a:r>
-            <a:r>
-              <a:rPr lang="ru-RU" altLang="ru-RU" sz="1800" b="0" i="0" u="none" strike="noStrike" cap="none">
-                <a:solidFill>
-                  <a:schemeClr val="tx1"/>
-                </a:solidFill>
-                <a:latin typeface="Calibri" panose="020F0502020204030204"/>
-                <a:ea typeface="Calibri" panose="020F0502020204030204"/>
-                <a:cs typeface="Calibri" panose="020F0502020204030204"/>
-                <a:sym typeface="Calibri" panose="020F0502020204030204"/>
-              </a:rPr>
-              <a:t>алгоритм</a:t>
-            </a:r>
-            <a:endParaRPr lang="ru-RU" altLang="ru-RU" sz="1800" b="0" i="0" u="none" strike="noStrike" cap="none">
-              <a:solidFill>
-                <a:schemeClr val="tx1"/>
-              </a:solidFill>
-              <a:latin typeface="Calibri" panose="020F0502020204030204"/>
-              <a:ea typeface="Calibri" panose="020F0502020204030204"/>
-              <a:cs typeface="Calibri" panose="020F0502020204030204"/>
-              <a:sym typeface="Calibri" panose="020F0502020204030204"/>
-            </a:endParaRPr>
-          </a:p>
-        </p:txBody>
-      </p:sp>
-      <p:cxnSp>
-        <p:nvCxnSpPr>
-          <p:cNvPr id="3" name="Google Shape;93;p1"/>
-          <p:cNvCxnSpPr/>
-          <p:nvPr/>
-        </p:nvCxnSpPr>
-        <p:spPr>
-          <a:xfrm>
-            <a:off x="3175" y="1058863"/>
-            <a:ext cx="9177300" cy="0"/>
-          </a:xfrm>
-          <a:prstGeom prst="straightConnector1">
-            <a:avLst/>
-          </a:prstGeom>
-          <a:noFill/>
-          <a:ln w="38100" cap="flat" cmpd="sng">
-            <a:solidFill>
-              <a:schemeClr val="dk2"/>
-            </a:solidFill>
-            <a:prstDash val="solid"/>
-            <a:round/>
-            <a:headEnd type="none" w="sm" len="sm"/>
-            <a:tailEnd type="none" w="sm" len="sm"/>
-          </a:ln>
-        </p:spPr>
-      </p:cxnSp>
-      <p:cxnSp>
-        <p:nvCxnSpPr>
-          <p:cNvPr id="4" name="Google Shape;94;p1"/>
-          <p:cNvCxnSpPr/>
-          <p:nvPr/>
-        </p:nvCxnSpPr>
-        <p:spPr>
-          <a:xfrm>
-            <a:off x="3175" y="1131888"/>
-            <a:ext cx="2697300" cy="0"/>
-          </a:xfrm>
-          <a:prstGeom prst="straightConnector1">
-            <a:avLst/>
-          </a:prstGeom>
-          <a:noFill/>
-          <a:ln w="38100" cap="flat" cmpd="sng">
-            <a:solidFill>
-              <a:srgbClr val="C00000"/>
-            </a:solidFill>
-            <a:prstDash val="solid"/>
-            <a:round/>
-            <a:headEnd type="none" w="sm" len="sm"/>
-            <a:tailEnd type="none" w="sm" len="sm"/>
-          </a:ln>
-        </p:spPr>
-      </p:cxnSp>
-      <p:pic>
-        <p:nvPicPr>
-          <p:cNvPr id="5" name="Рисунок 14"/>
-          <p:cNvPicPr>
-            <a:picLocks noChangeAspect="1" noChangeArrowheads="1"/>
-          </p:cNvPicPr>
-          <p:nvPr/>
-        </p:nvPicPr>
-        <p:blipFill>
-          <a:blip r:embed="rId1" cstate="print">
-            <a:extLst>
-              <a:ext uri="{28A0092B-C50C-407E-A947-70E740481C1C}">
-                <a14:useLocalDpi xmlns:a14="http://schemas.microsoft.com/office/drawing/2010/main" val="0"/>
-              </a:ext>
-            </a:extLst>
-          </a:blip>
-          <a:srcRect/>
-          <a:stretch>
-            <a:fillRect/>
-          </a:stretch>
-        </p:blipFill>
-        <p:spPr>
-          <a:xfrm>
-            <a:off x="116205" y="100965"/>
-            <a:ext cx="891540" cy="844550"/>
-          </a:xfrm>
-          <a:prstGeom prst="rect">
-            <a:avLst/>
-          </a:prstGeom>
-          <a:noFill/>
-          <a:ln>
-            <a:noFill/>
-          </a:ln>
-        </p:spPr>
-      </p:pic>
-      <p:sp>
-        <p:nvSpPr>
-          <p:cNvPr id="10" name="Замещающий номер слайда 9"/>
-          <p:cNvSpPr>
-            <a:spLocks noGrp="1"/>
-          </p:cNvSpPr>
-          <p:nvPr>
-            <p:ph type="sldNum" idx="12"/>
-          </p:nvPr>
-        </p:nvSpPr>
-        <p:spPr/>
-        <p:txBody>
-          <a:bodyPr/>
-          <a:p>
-            <a:pPr marL="0" lvl="0" indent="0" algn="r" rtl="0">
-              <a:spcBef>
-                <a:spcPts val="0"/>
-              </a:spcBef>
-              <a:spcAft>
-                <a:spcPts val="0"/>
-              </a:spcAft>
-              <a:buNone/>
-            </a:pPr>
-            <a:fld id="{00000000-1234-1234-1234-123412341234}" type="slidenum">
-              <a:rPr lang="ru-RU"/>
-            </a:fld>
-            <a:endParaRPr lang="ru-RU"/>
-          </a:p>
-        </p:txBody>
-      </p:sp>
-      <p:pic>
-        <p:nvPicPr>
-          <p:cNvPr id="26" name="Изображение 26" descr="algoritm_1"/>
-          <p:cNvPicPr>
-            <a:picLocks noChangeAspect="1"/>
-          </p:cNvPicPr>
-          <p:nvPr/>
-        </p:nvPicPr>
-        <p:blipFill>
-          <a:blip r:embed="rId2"/>
-          <a:stretch>
-            <a:fillRect/>
-          </a:stretch>
-        </p:blipFill>
-        <p:spPr>
-          <a:xfrm>
-            <a:off x="4544060" y="1283335"/>
-            <a:ext cx="3752850" cy="3688080"/>
-          </a:xfrm>
-          <a:prstGeom prst="rect">
-            <a:avLst/>
-          </a:prstGeom>
-        </p:spPr>
-      </p:pic>
-      <p:pic>
-        <p:nvPicPr>
-          <p:cNvPr id="35" name="Изображение 12"/>
-          <p:cNvPicPr>
-            <a:picLocks noChangeAspect="1"/>
-          </p:cNvPicPr>
-          <p:nvPr/>
-        </p:nvPicPr>
-        <p:blipFill>
-          <a:blip r:embed="rId3"/>
-          <a:srcRect l="2868" r="5105"/>
-          <a:stretch>
-            <a:fillRect/>
-          </a:stretch>
-        </p:blipFill>
-        <p:spPr>
-          <a:xfrm>
-            <a:off x="391795" y="1937385"/>
-            <a:ext cx="4039870" cy="2259965"/>
-          </a:xfrm>
-          <a:prstGeom prst="rect">
-            <a:avLst/>
-          </a:prstGeom>
-          <a:noFill/>
-          <a:ln>
-            <a:noFill/>
-          </a:ln>
-        </p:spPr>
-      </p:pic>
-    </p:spTree>
-  </p:cSld>
-  <p:clrMapOvr>
-    <a:masterClrMapping/>
-  </p:clrMapOvr>
-</p:sld>
-</file>
-
 <file path=ppt/slides/slide9.xml><?xml version="1.0" encoding="utf-8"?>
 <p:sld xmlns:a="http://schemas.openxmlformats.org/drawingml/2006/main" xmlns:r="http://schemas.openxmlformats.org/officeDocument/2006/relationships" xmlns:p="http://schemas.openxmlformats.org/presentationml/2006/main">
   <p:cSld>
@@ -29084,6 +29204,48 @@
     <a:masterClrMapping/>
   </p:clrMapOvr>
 </p:sld>
+</file>
+
+<file path=ppt/tags/tag1.xml><?xml version="1.0" encoding="utf-8"?>
+<p:tagLst xmlns:p="http://schemas.openxmlformats.org/presentationml/2006/main">
+  <p:tag name="KSO_WM_BEAUTIFY_FLAG" val=""/>
+</p:tagLst>
+</file>
+
+<file path=ppt/tags/tag2.xml><?xml version="1.0" encoding="utf-8"?>
+<p:tagLst xmlns:p="http://schemas.openxmlformats.org/presentationml/2006/main">
+  <p:tag name="KSO_WM_BEAUTIFY_FLAG" val=""/>
+</p:tagLst>
+</file>
+
+<file path=ppt/tags/tag3.xml><?xml version="1.0" encoding="utf-8"?>
+<p:tagLst xmlns:p="http://schemas.openxmlformats.org/presentationml/2006/main">
+  <p:tag name="KSO_WM_BEAUTIFY_FLAG" val=""/>
+</p:tagLst>
+</file>
+
+<file path=ppt/tags/tag4.xml><?xml version="1.0" encoding="utf-8"?>
+<p:tagLst xmlns:p="http://schemas.openxmlformats.org/presentationml/2006/main">
+  <p:tag name="KSO_WM_BEAUTIFY_FLAG" val=""/>
+</p:tagLst>
+</file>
+
+<file path=ppt/tags/tag5.xml><?xml version="1.0" encoding="utf-8"?>
+<p:tagLst xmlns:p="http://schemas.openxmlformats.org/presentationml/2006/main">
+  <p:tag name="KSO_WM_BEAUTIFY_FLAG" val=""/>
+</p:tagLst>
+</file>
+
+<file path=ppt/tags/tag6.xml><?xml version="1.0" encoding="utf-8"?>
+<p:tagLst xmlns:p="http://schemas.openxmlformats.org/presentationml/2006/main">
+  <p:tag name="KSO_WM_BEAUTIFY_FLAG" val=""/>
+</p:tagLst>
+</file>
+
+<file path=ppt/tags/tag7.xml><?xml version="1.0" encoding="utf-8"?>
+<p:tagLst xmlns:p="http://schemas.openxmlformats.org/presentationml/2006/main">
+  <p:tag name="KSO_WM_BEAUTIFY_FLAG" val=""/>
+</p:tagLst>
 </file>
 
 <file path=ppt/theme/theme1.xml><?xml version="1.0" encoding="utf-8"?>
